--- a/Lending_Club_Case_Study.pptx
+++ b/Lending_Club_Case_Study.pptx
@@ -5,14 +5,27 @@
     <p:sldMasterId id="2147483648" r:id="rId3"/>
   </p:sldMasterIdLst>
   <p:notesMasterIdLst>
-    <p:notesMasterId r:id="rId9"/>
+    <p:notesMasterId r:id="rId22"/>
   </p:notesMasterIdLst>
   <p:sldIdLst>
     <p:sldId id="256" r:id="rId4"/>
     <p:sldId id="414" r:id="rId5"/>
     <p:sldId id="415" r:id="rId6"/>
     <p:sldId id="416" r:id="rId7"/>
-    <p:sldId id="413" r:id="rId8"/>
+    <p:sldId id="417" r:id="rId8"/>
+    <p:sldId id="422" r:id="rId9"/>
+    <p:sldId id="423" r:id="rId10"/>
+    <p:sldId id="425" r:id="rId11"/>
+    <p:sldId id="426" r:id="rId12"/>
+    <p:sldId id="429" r:id="rId13"/>
+    <p:sldId id="430" r:id="rId14"/>
+    <p:sldId id="431" r:id="rId15"/>
+    <p:sldId id="432" r:id="rId16"/>
+    <p:sldId id="433" r:id="rId17"/>
+    <p:sldId id="434" r:id="rId18"/>
+    <p:sldId id="427" r:id="rId19"/>
+    <p:sldId id="435" r:id="rId20"/>
+    <p:sldId id="413" r:id="rId21"/>
   </p:sldIdLst>
   <p:sldSz cx="12192000" cy="6858000"/>
   <p:notesSz cx="6858000" cy="9144000"/>
@@ -111,6 +124,11 @@
       </a:defRPr>
     </a:lvl9pPr>
   </p:defaultTextStyle>
+  <p:extLst>
+    <p:ext uri="{EFAFB233-063F-42B5-8137-9DF3F51BA10A}">
+      <p15:sldGuideLst xmlns:p15="http://schemas.microsoft.com/office/powerpoint/2012/main"/>
+    </p:ext>
+  </p:extLst>
 </p:presentation>
 </file>
 
@@ -4317,6 +4335,1432 @@
     <p:extLst>
       <p:ext uri="{BB962C8B-B14F-4D97-AF65-F5344CB8AC3E}">
         <p14:creationId xmlns:p14="http://schemas.microsoft.com/office/powerpoint/2010/main" val="639509703"/>
+      </p:ext>
+    </p:extLst>
+  </p:cSld>
+  <p:clrMapOvr>
+    <a:masterClrMapping/>
+  </p:clrMapOvr>
+</p:sld>
+</file>
+
+<file path=ppt/slides/slide10.xml><?xml version="1.0" encoding="utf-8"?>
+<p:sld xmlns:a="http://schemas.openxmlformats.org/drawingml/2006/main" xmlns:r="http://schemas.openxmlformats.org/officeDocument/2006/relationships" xmlns:p="http://schemas.openxmlformats.org/presentationml/2006/main">
+  <p:cSld>
+    <p:spTree>
+      <p:nvGrpSpPr>
+        <p:cNvPr id="1" name=""/>
+        <p:cNvGrpSpPr/>
+        <p:nvPr/>
+      </p:nvGrpSpPr>
+      <p:grpSpPr>
+        <a:xfrm>
+          <a:off x="0" y="0"/>
+          <a:ext cx="0" cy="0"/>
+          <a:chOff x="0" y="0"/>
+          <a:chExt cx="0" cy="0"/>
+        </a:xfrm>
+      </p:grpSpPr>
+      <p:sp>
+        <p:nvSpPr>
+          <p:cNvPr id="2" name="Title 1">
+            <a:extLst>
+              <a:ext uri="{FF2B5EF4-FFF2-40B4-BE49-F238E27FC236}">
+                <a16:creationId xmlns:a16="http://schemas.microsoft.com/office/drawing/2014/main" id="{8CD25F0D-2243-71CC-B82D-9AE5D49A2084}"/>
+              </a:ext>
+            </a:extLst>
+          </p:cNvPr>
+          <p:cNvSpPr>
+            <a:spLocks noGrp="1"/>
+          </p:cNvSpPr>
+          <p:nvPr>
+            <p:ph type="title"/>
+          </p:nvPr>
+        </p:nvSpPr>
+        <p:spPr/>
+        <p:txBody>
+          <a:bodyPr>
+            <a:normAutofit/>
+          </a:bodyPr>
+          <a:lstStyle/>
+          <a:p>
+            <a:r>
+              <a:rPr lang="en-US" dirty="0"/>
+              <a:t>Insights</a:t>
+            </a:r>
+          </a:p>
+        </p:txBody>
+      </p:sp>
+      <p:sp>
+        <p:nvSpPr>
+          <p:cNvPr id="4" name="TextBox 3">
+            <a:extLst>
+              <a:ext uri="{FF2B5EF4-FFF2-40B4-BE49-F238E27FC236}">
+                <a16:creationId xmlns:a16="http://schemas.microsoft.com/office/drawing/2014/main" id="{AA3BEC6D-CB73-7A8E-6FDC-A469AC73D577}"/>
+              </a:ext>
+            </a:extLst>
+          </p:cNvPr>
+          <p:cNvSpPr txBox="1"/>
+          <p:nvPr/>
+        </p:nvSpPr>
+        <p:spPr>
+          <a:xfrm>
+            <a:off x="838200" y="1826200"/>
+            <a:ext cx="6096000" cy="646331"/>
+          </a:xfrm>
+          <a:prstGeom prst="rect">
+            <a:avLst/>
+          </a:prstGeom>
+          <a:noFill/>
+        </p:spPr>
+        <p:txBody>
+          <a:bodyPr wrap="square">
+            <a:spAutoFit/>
+          </a:bodyPr>
+          <a:lstStyle/>
+          <a:p>
+            <a:r>
+              <a:rPr lang="en-IN" b="0" i="0" u="none" strike="noStrike" dirty="0">
+                <a:solidFill>
+                  <a:srgbClr val="000000"/>
+                </a:solidFill>
+                <a:effectLst/>
+                <a:latin typeface="Calibri" panose="020F0502020204030204" pitchFamily="34" charset="0"/>
+              </a:rPr>
+              <a:t>Lesser employment tenure and more than 10 years employment tenure could default on the loan</a:t>
+            </a:r>
+            <a:endParaRPr lang="en-US" dirty="0"/>
+          </a:p>
+        </p:txBody>
+      </p:sp>
+      <p:pic>
+        <p:nvPicPr>
+          <p:cNvPr id="7170" name="Picture 2">
+            <a:extLst>
+              <a:ext uri="{FF2B5EF4-FFF2-40B4-BE49-F238E27FC236}">
+                <a16:creationId xmlns:a16="http://schemas.microsoft.com/office/drawing/2014/main" id="{8A2C6D4E-EE94-EA81-675F-7C097E3BFB7C}"/>
+              </a:ext>
+            </a:extLst>
+          </p:cNvPr>
+          <p:cNvPicPr>
+            <a:picLocks noChangeAspect="1" noChangeArrowheads="1"/>
+          </p:cNvPicPr>
+          <p:nvPr/>
+        </p:nvPicPr>
+        <p:blipFill>
+          <a:blip r:embed="rId2">
+            <a:extLst>
+              <a:ext uri="{28A0092B-C50C-407E-A947-70E740481C1C}">
+                <a14:useLocalDpi xmlns:a14="http://schemas.microsoft.com/office/drawing/2010/main" val="0"/>
+              </a:ext>
+            </a:extLst>
+          </a:blip>
+          <a:srcRect/>
+          <a:stretch>
+            <a:fillRect/>
+          </a:stretch>
+        </p:blipFill>
+        <p:spPr bwMode="auto">
+          <a:xfrm>
+            <a:off x="6384317" y="1924870"/>
+            <a:ext cx="4729495" cy="3710207"/>
+          </a:xfrm>
+          <a:prstGeom prst="rect">
+            <a:avLst/>
+          </a:prstGeom>
+          <a:noFill/>
+          <a:extLst>
+            <a:ext uri="{909E8E84-426E-40DD-AFC4-6F175D3DCCD1}">
+              <a14:hiddenFill xmlns:a14="http://schemas.microsoft.com/office/drawing/2010/main">
+                <a:solidFill>
+                  <a:srgbClr val="FFFFFF"/>
+                </a:solidFill>
+              </a14:hiddenFill>
+            </a:ext>
+          </a:extLst>
+        </p:spPr>
+      </p:pic>
+    </p:spTree>
+    <p:extLst>
+      <p:ext uri="{BB962C8B-B14F-4D97-AF65-F5344CB8AC3E}">
+        <p14:creationId xmlns:p14="http://schemas.microsoft.com/office/powerpoint/2010/main" val="1727410903"/>
+      </p:ext>
+    </p:extLst>
+  </p:cSld>
+  <p:clrMapOvr>
+    <a:masterClrMapping/>
+  </p:clrMapOvr>
+</p:sld>
+</file>
+
+<file path=ppt/slides/slide11.xml><?xml version="1.0" encoding="utf-8"?>
+<p:sld xmlns:a="http://schemas.openxmlformats.org/drawingml/2006/main" xmlns:r="http://schemas.openxmlformats.org/officeDocument/2006/relationships" xmlns:p="http://schemas.openxmlformats.org/presentationml/2006/main">
+  <p:cSld>
+    <p:spTree>
+      <p:nvGrpSpPr>
+        <p:cNvPr id="1" name=""/>
+        <p:cNvGrpSpPr/>
+        <p:nvPr/>
+      </p:nvGrpSpPr>
+      <p:grpSpPr>
+        <a:xfrm>
+          <a:off x="0" y="0"/>
+          <a:ext cx="0" cy="0"/>
+          <a:chOff x="0" y="0"/>
+          <a:chExt cx="0" cy="0"/>
+        </a:xfrm>
+      </p:grpSpPr>
+      <p:sp>
+        <p:nvSpPr>
+          <p:cNvPr id="2" name="Title 1">
+            <a:extLst>
+              <a:ext uri="{FF2B5EF4-FFF2-40B4-BE49-F238E27FC236}">
+                <a16:creationId xmlns:a16="http://schemas.microsoft.com/office/drawing/2014/main" id="{8CD25F0D-2243-71CC-B82D-9AE5D49A2084}"/>
+              </a:ext>
+            </a:extLst>
+          </p:cNvPr>
+          <p:cNvSpPr>
+            <a:spLocks noGrp="1"/>
+          </p:cNvSpPr>
+          <p:nvPr>
+            <p:ph type="title"/>
+          </p:nvPr>
+        </p:nvSpPr>
+        <p:spPr/>
+        <p:txBody>
+          <a:bodyPr>
+            <a:normAutofit/>
+          </a:bodyPr>
+          <a:lstStyle/>
+          <a:p>
+            <a:r>
+              <a:rPr lang="en-US" dirty="0"/>
+              <a:t>Insights</a:t>
+            </a:r>
+          </a:p>
+        </p:txBody>
+      </p:sp>
+      <p:sp>
+        <p:nvSpPr>
+          <p:cNvPr id="4" name="TextBox 3">
+            <a:extLst>
+              <a:ext uri="{FF2B5EF4-FFF2-40B4-BE49-F238E27FC236}">
+                <a16:creationId xmlns:a16="http://schemas.microsoft.com/office/drawing/2014/main" id="{23338DF7-F427-74C8-7A18-FB69049DBFC9}"/>
+              </a:ext>
+            </a:extLst>
+          </p:cNvPr>
+          <p:cNvSpPr txBox="1"/>
+          <p:nvPr/>
+        </p:nvSpPr>
+        <p:spPr>
+          <a:xfrm>
+            <a:off x="838200" y="1605483"/>
+            <a:ext cx="6096000" cy="646331"/>
+          </a:xfrm>
+          <a:prstGeom prst="rect">
+            <a:avLst/>
+          </a:prstGeom>
+          <a:noFill/>
+        </p:spPr>
+        <p:txBody>
+          <a:bodyPr wrap="square">
+            <a:spAutoFit/>
+          </a:bodyPr>
+          <a:lstStyle/>
+          <a:p>
+            <a:r>
+              <a:rPr lang="en-IN" b="0" i="0" u="none" strike="noStrike" dirty="0">
+                <a:solidFill>
+                  <a:srgbClr val="000000"/>
+                </a:solidFill>
+                <a:effectLst/>
+                <a:latin typeface="Calibri" panose="020F0502020204030204" pitchFamily="34" charset="0"/>
+              </a:rPr>
+              <a:t>Loans graded F and G tend to default more. As the category progresses from A to G, risk of default also increases.</a:t>
+            </a:r>
+            <a:endParaRPr lang="en-US" dirty="0"/>
+          </a:p>
+        </p:txBody>
+      </p:sp>
+      <p:pic>
+        <p:nvPicPr>
+          <p:cNvPr id="8194" name="Picture 2">
+            <a:extLst>
+              <a:ext uri="{FF2B5EF4-FFF2-40B4-BE49-F238E27FC236}">
+                <a16:creationId xmlns:a16="http://schemas.microsoft.com/office/drawing/2014/main" id="{421B0493-3083-DB40-1512-787B146673D9}"/>
+              </a:ext>
+            </a:extLst>
+          </p:cNvPr>
+          <p:cNvPicPr>
+            <a:picLocks noChangeAspect="1" noChangeArrowheads="1"/>
+          </p:cNvPicPr>
+          <p:nvPr/>
+        </p:nvPicPr>
+        <p:blipFill>
+          <a:blip r:embed="rId2">
+            <a:extLst>
+              <a:ext uri="{28A0092B-C50C-407E-A947-70E740481C1C}">
+                <a14:useLocalDpi xmlns:a14="http://schemas.microsoft.com/office/drawing/2010/main" val="0"/>
+              </a:ext>
+            </a:extLst>
+          </a:blip>
+          <a:srcRect/>
+          <a:stretch>
+            <a:fillRect/>
+          </a:stretch>
+        </p:blipFill>
+        <p:spPr bwMode="auto">
+          <a:xfrm>
+            <a:off x="838200" y="2931046"/>
+            <a:ext cx="5203333" cy="3108216"/>
+          </a:xfrm>
+          <a:prstGeom prst="rect">
+            <a:avLst/>
+          </a:prstGeom>
+          <a:noFill/>
+          <a:extLst>
+            <a:ext uri="{909E8E84-426E-40DD-AFC4-6F175D3DCCD1}">
+              <a14:hiddenFill xmlns:a14="http://schemas.microsoft.com/office/drawing/2010/main">
+                <a:solidFill>
+                  <a:srgbClr val="FFFFFF"/>
+                </a:solidFill>
+              </a14:hiddenFill>
+            </a:ext>
+          </a:extLst>
+        </p:spPr>
+      </p:pic>
+      <p:pic>
+        <p:nvPicPr>
+          <p:cNvPr id="8196" name="Picture 4">
+            <a:extLst>
+              <a:ext uri="{FF2B5EF4-FFF2-40B4-BE49-F238E27FC236}">
+                <a16:creationId xmlns:a16="http://schemas.microsoft.com/office/drawing/2014/main" id="{23D6702D-701A-17A9-B536-543FAF506F1A}"/>
+              </a:ext>
+            </a:extLst>
+          </p:cNvPr>
+          <p:cNvPicPr>
+            <a:picLocks noChangeAspect="1" noChangeArrowheads="1"/>
+          </p:cNvPicPr>
+          <p:nvPr/>
+        </p:nvPicPr>
+        <p:blipFill>
+          <a:blip r:embed="rId3">
+            <a:extLst>
+              <a:ext uri="{28A0092B-C50C-407E-A947-70E740481C1C}">
+                <a14:useLocalDpi xmlns:a14="http://schemas.microsoft.com/office/drawing/2010/main" val="0"/>
+              </a:ext>
+            </a:extLst>
+          </a:blip>
+          <a:srcRect/>
+          <a:stretch>
+            <a:fillRect/>
+          </a:stretch>
+        </p:blipFill>
+        <p:spPr bwMode="auto">
+          <a:xfrm>
+            <a:off x="6150469" y="2931046"/>
+            <a:ext cx="5101530" cy="3108217"/>
+          </a:xfrm>
+          <a:prstGeom prst="rect">
+            <a:avLst/>
+          </a:prstGeom>
+          <a:noFill/>
+          <a:extLst>
+            <a:ext uri="{909E8E84-426E-40DD-AFC4-6F175D3DCCD1}">
+              <a14:hiddenFill xmlns:a14="http://schemas.microsoft.com/office/drawing/2010/main">
+                <a:solidFill>
+                  <a:srgbClr val="FFFFFF"/>
+                </a:solidFill>
+              </a14:hiddenFill>
+            </a:ext>
+          </a:extLst>
+        </p:spPr>
+      </p:pic>
+    </p:spTree>
+    <p:extLst>
+      <p:ext uri="{BB962C8B-B14F-4D97-AF65-F5344CB8AC3E}">
+        <p14:creationId xmlns:p14="http://schemas.microsoft.com/office/powerpoint/2010/main" val="1925204996"/>
+      </p:ext>
+    </p:extLst>
+  </p:cSld>
+  <p:clrMapOvr>
+    <a:masterClrMapping/>
+  </p:clrMapOvr>
+</p:sld>
+</file>
+
+<file path=ppt/slides/slide12.xml><?xml version="1.0" encoding="utf-8"?>
+<p:sld xmlns:a="http://schemas.openxmlformats.org/drawingml/2006/main" xmlns:r="http://schemas.openxmlformats.org/officeDocument/2006/relationships" xmlns:p="http://schemas.openxmlformats.org/presentationml/2006/main">
+  <p:cSld>
+    <p:spTree>
+      <p:nvGrpSpPr>
+        <p:cNvPr id="1" name=""/>
+        <p:cNvGrpSpPr/>
+        <p:nvPr/>
+      </p:nvGrpSpPr>
+      <p:grpSpPr>
+        <a:xfrm>
+          <a:off x="0" y="0"/>
+          <a:ext cx="0" cy="0"/>
+          <a:chOff x="0" y="0"/>
+          <a:chExt cx="0" cy="0"/>
+        </a:xfrm>
+      </p:grpSpPr>
+      <p:sp>
+        <p:nvSpPr>
+          <p:cNvPr id="2" name="Title 1">
+            <a:extLst>
+              <a:ext uri="{FF2B5EF4-FFF2-40B4-BE49-F238E27FC236}">
+                <a16:creationId xmlns:a16="http://schemas.microsoft.com/office/drawing/2014/main" id="{8CD25F0D-2243-71CC-B82D-9AE5D49A2084}"/>
+              </a:ext>
+            </a:extLst>
+          </p:cNvPr>
+          <p:cNvSpPr>
+            <a:spLocks noGrp="1"/>
+          </p:cNvSpPr>
+          <p:nvPr>
+            <p:ph type="title"/>
+          </p:nvPr>
+        </p:nvSpPr>
+        <p:spPr/>
+        <p:txBody>
+          <a:bodyPr>
+            <a:normAutofit/>
+          </a:bodyPr>
+          <a:lstStyle/>
+          <a:p>
+            <a:r>
+              <a:rPr lang="en-US" dirty="0"/>
+              <a:t>Insights</a:t>
+            </a:r>
+          </a:p>
+        </p:txBody>
+      </p:sp>
+      <p:sp>
+        <p:nvSpPr>
+          <p:cNvPr id="4" name="TextBox 3">
+            <a:extLst>
+              <a:ext uri="{FF2B5EF4-FFF2-40B4-BE49-F238E27FC236}">
+                <a16:creationId xmlns:a16="http://schemas.microsoft.com/office/drawing/2014/main" id="{C141B376-ED99-6108-525B-8F71F6500285}"/>
+              </a:ext>
+            </a:extLst>
+          </p:cNvPr>
+          <p:cNvSpPr txBox="1"/>
+          <p:nvPr/>
+        </p:nvSpPr>
+        <p:spPr>
+          <a:xfrm>
+            <a:off x="838199" y="1690688"/>
+            <a:ext cx="9661635" cy="369332"/>
+          </a:xfrm>
+          <a:prstGeom prst="rect">
+            <a:avLst/>
+          </a:prstGeom>
+          <a:noFill/>
+        </p:spPr>
+        <p:txBody>
+          <a:bodyPr wrap="square">
+            <a:spAutoFit/>
+          </a:bodyPr>
+          <a:lstStyle/>
+          <a:p>
+            <a:r>
+              <a:rPr lang="en-IN" b="0" i="0" u="none" strike="noStrike" dirty="0">
+                <a:solidFill>
+                  <a:srgbClr val="000000"/>
+                </a:solidFill>
+                <a:effectLst/>
+                <a:latin typeface="Calibri" panose="020F0502020204030204" pitchFamily="34" charset="0"/>
+              </a:rPr>
+              <a:t>Loans taken for small business, renewable energy and educational purposes tend to default more</a:t>
+            </a:r>
+            <a:endParaRPr lang="en-US" dirty="0"/>
+          </a:p>
+        </p:txBody>
+      </p:sp>
+      <p:pic>
+        <p:nvPicPr>
+          <p:cNvPr id="9218" name="Picture 2">
+            <a:extLst>
+              <a:ext uri="{FF2B5EF4-FFF2-40B4-BE49-F238E27FC236}">
+                <a16:creationId xmlns:a16="http://schemas.microsoft.com/office/drawing/2014/main" id="{481D6625-C3E7-FB4C-7718-4B943FFAECF6}"/>
+              </a:ext>
+            </a:extLst>
+          </p:cNvPr>
+          <p:cNvPicPr>
+            <a:picLocks noChangeAspect="1" noChangeArrowheads="1"/>
+          </p:cNvPicPr>
+          <p:nvPr/>
+        </p:nvPicPr>
+        <p:blipFill>
+          <a:blip r:embed="rId2">
+            <a:extLst>
+              <a:ext uri="{28A0092B-C50C-407E-A947-70E740481C1C}">
+                <a14:useLocalDpi xmlns:a14="http://schemas.microsoft.com/office/drawing/2010/main" val="0"/>
+              </a:ext>
+            </a:extLst>
+          </a:blip>
+          <a:srcRect/>
+          <a:stretch>
+            <a:fillRect/>
+          </a:stretch>
+        </p:blipFill>
+        <p:spPr bwMode="auto">
+          <a:xfrm>
+            <a:off x="2540657" y="2544190"/>
+            <a:ext cx="7110686" cy="3672460"/>
+          </a:xfrm>
+          <a:prstGeom prst="rect">
+            <a:avLst/>
+          </a:prstGeom>
+          <a:noFill/>
+          <a:extLst>
+            <a:ext uri="{909E8E84-426E-40DD-AFC4-6F175D3DCCD1}">
+              <a14:hiddenFill xmlns:a14="http://schemas.microsoft.com/office/drawing/2010/main">
+                <a:solidFill>
+                  <a:srgbClr val="FFFFFF"/>
+                </a:solidFill>
+              </a14:hiddenFill>
+            </a:ext>
+          </a:extLst>
+        </p:spPr>
+      </p:pic>
+    </p:spTree>
+    <p:extLst>
+      <p:ext uri="{BB962C8B-B14F-4D97-AF65-F5344CB8AC3E}">
+        <p14:creationId xmlns:p14="http://schemas.microsoft.com/office/powerpoint/2010/main" val="2834756978"/>
+      </p:ext>
+    </p:extLst>
+  </p:cSld>
+  <p:clrMapOvr>
+    <a:masterClrMapping/>
+  </p:clrMapOvr>
+</p:sld>
+</file>
+
+<file path=ppt/slides/slide13.xml><?xml version="1.0" encoding="utf-8"?>
+<p:sld xmlns:a="http://schemas.openxmlformats.org/drawingml/2006/main" xmlns:r="http://schemas.openxmlformats.org/officeDocument/2006/relationships" xmlns:p="http://schemas.openxmlformats.org/presentationml/2006/main">
+  <p:cSld>
+    <p:spTree>
+      <p:nvGrpSpPr>
+        <p:cNvPr id="1" name=""/>
+        <p:cNvGrpSpPr/>
+        <p:nvPr/>
+      </p:nvGrpSpPr>
+      <p:grpSpPr>
+        <a:xfrm>
+          <a:off x="0" y="0"/>
+          <a:ext cx="0" cy="0"/>
+          <a:chOff x="0" y="0"/>
+          <a:chExt cx="0" cy="0"/>
+        </a:xfrm>
+      </p:grpSpPr>
+      <p:sp>
+        <p:nvSpPr>
+          <p:cNvPr id="2" name="Title 1">
+            <a:extLst>
+              <a:ext uri="{FF2B5EF4-FFF2-40B4-BE49-F238E27FC236}">
+                <a16:creationId xmlns:a16="http://schemas.microsoft.com/office/drawing/2014/main" id="{8CD25F0D-2243-71CC-B82D-9AE5D49A2084}"/>
+              </a:ext>
+            </a:extLst>
+          </p:cNvPr>
+          <p:cNvSpPr>
+            <a:spLocks noGrp="1"/>
+          </p:cNvSpPr>
+          <p:nvPr>
+            <p:ph type="title"/>
+          </p:nvPr>
+        </p:nvSpPr>
+        <p:spPr/>
+        <p:txBody>
+          <a:bodyPr>
+            <a:normAutofit/>
+          </a:bodyPr>
+          <a:lstStyle/>
+          <a:p>
+            <a:r>
+              <a:rPr lang="en-US" dirty="0"/>
+              <a:t>Insights</a:t>
+            </a:r>
+          </a:p>
+        </p:txBody>
+      </p:sp>
+      <p:sp>
+        <p:nvSpPr>
+          <p:cNvPr id="4" name="TextBox 3">
+            <a:extLst>
+              <a:ext uri="{FF2B5EF4-FFF2-40B4-BE49-F238E27FC236}">
+                <a16:creationId xmlns:a16="http://schemas.microsoft.com/office/drawing/2014/main" id="{E8542C72-0B4F-B0AA-206B-FA00097BCBBF}"/>
+              </a:ext>
+            </a:extLst>
+          </p:cNvPr>
+          <p:cNvSpPr txBox="1"/>
+          <p:nvPr/>
+        </p:nvSpPr>
+        <p:spPr>
+          <a:xfrm>
+            <a:off x="838200" y="1690688"/>
+            <a:ext cx="9167648" cy="369332"/>
+          </a:xfrm>
+          <a:prstGeom prst="rect">
+            <a:avLst/>
+          </a:prstGeom>
+          <a:noFill/>
+        </p:spPr>
+        <p:txBody>
+          <a:bodyPr wrap="square">
+            <a:spAutoFit/>
+          </a:bodyPr>
+          <a:lstStyle/>
+          <a:p>
+            <a:r>
+              <a:rPr lang="en-IN" sz="1800" b="0" i="0" u="none" strike="noStrike" dirty="0">
+                <a:solidFill>
+                  <a:srgbClr val="000000"/>
+                </a:solidFill>
+                <a:effectLst/>
+                <a:latin typeface="Calibri" panose="020F0502020204030204" pitchFamily="34" charset="0"/>
+              </a:rPr>
+              <a:t>Renters are more likely to default than home-owners and people with </a:t>
+            </a:r>
+            <a:r>
+              <a:rPr lang="en-IN" sz="1800" b="0" i="0" u="none" strike="noStrike" dirty="0" err="1">
+                <a:solidFill>
+                  <a:srgbClr val="000000"/>
+                </a:solidFill>
+                <a:effectLst/>
+                <a:latin typeface="Calibri" panose="020F0502020204030204" pitchFamily="34" charset="0"/>
+              </a:rPr>
+              <a:t>mortaged</a:t>
+            </a:r>
+            <a:r>
+              <a:rPr lang="en-IN" sz="1800" b="0" i="0" u="none" strike="noStrike" dirty="0">
+                <a:solidFill>
+                  <a:srgbClr val="000000"/>
+                </a:solidFill>
+                <a:effectLst/>
+                <a:latin typeface="Calibri" panose="020F0502020204030204" pitchFamily="34" charset="0"/>
+              </a:rPr>
+              <a:t> homes</a:t>
+            </a:r>
+            <a:endParaRPr lang="en-US" dirty="0"/>
+          </a:p>
+        </p:txBody>
+      </p:sp>
+      <p:pic>
+        <p:nvPicPr>
+          <p:cNvPr id="10242" name="Picture 2">
+            <a:extLst>
+              <a:ext uri="{FF2B5EF4-FFF2-40B4-BE49-F238E27FC236}">
+                <a16:creationId xmlns:a16="http://schemas.microsoft.com/office/drawing/2014/main" id="{C648ED53-F5AD-29D9-6C59-3C4B90364E17}"/>
+              </a:ext>
+            </a:extLst>
+          </p:cNvPr>
+          <p:cNvPicPr>
+            <a:picLocks noChangeAspect="1" noChangeArrowheads="1"/>
+          </p:cNvPicPr>
+          <p:nvPr/>
+        </p:nvPicPr>
+        <p:blipFill>
+          <a:blip r:embed="rId2">
+            <a:extLst>
+              <a:ext uri="{28A0092B-C50C-407E-A947-70E740481C1C}">
+                <a14:useLocalDpi xmlns:a14="http://schemas.microsoft.com/office/drawing/2010/main" val="0"/>
+              </a:ext>
+            </a:extLst>
+          </a:blip>
+          <a:srcRect/>
+          <a:stretch>
+            <a:fillRect/>
+          </a:stretch>
+        </p:blipFill>
+        <p:spPr bwMode="auto">
+          <a:xfrm>
+            <a:off x="3477501" y="2797843"/>
+            <a:ext cx="5236997" cy="3695032"/>
+          </a:xfrm>
+          <a:prstGeom prst="rect">
+            <a:avLst/>
+          </a:prstGeom>
+          <a:noFill/>
+          <a:extLst>
+            <a:ext uri="{909E8E84-426E-40DD-AFC4-6F175D3DCCD1}">
+              <a14:hiddenFill xmlns:a14="http://schemas.microsoft.com/office/drawing/2010/main">
+                <a:solidFill>
+                  <a:srgbClr val="FFFFFF"/>
+                </a:solidFill>
+              </a14:hiddenFill>
+            </a:ext>
+          </a:extLst>
+        </p:spPr>
+      </p:pic>
+    </p:spTree>
+    <p:extLst>
+      <p:ext uri="{BB962C8B-B14F-4D97-AF65-F5344CB8AC3E}">
+        <p14:creationId xmlns:p14="http://schemas.microsoft.com/office/powerpoint/2010/main" val="1145967529"/>
+      </p:ext>
+    </p:extLst>
+  </p:cSld>
+  <p:clrMapOvr>
+    <a:masterClrMapping/>
+  </p:clrMapOvr>
+</p:sld>
+</file>
+
+<file path=ppt/slides/slide14.xml><?xml version="1.0" encoding="utf-8"?>
+<p:sld xmlns:a="http://schemas.openxmlformats.org/drawingml/2006/main" xmlns:r="http://schemas.openxmlformats.org/officeDocument/2006/relationships" xmlns:p="http://schemas.openxmlformats.org/presentationml/2006/main">
+  <p:cSld>
+    <p:spTree>
+      <p:nvGrpSpPr>
+        <p:cNvPr id="1" name=""/>
+        <p:cNvGrpSpPr/>
+        <p:nvPr/>
+      </p:nvGrpSpPr>
+      <p:grpSpPr>
+        <a:xfrm>
+          <a:off x="0" y="0"/>
+          <a:ext cx="0" cy="0"/>
+          <a:chOff x="0" y="0"/>
+          <a:chExt cx="0" cy="0"/>
+        </a:xfrm>
+      </p:grpSpPr>
+      <p:sp>
+        <p:nvSpPr>
+          <p:cNvPr id="2" name="Title 1">
+            <a:extLst>
+              <a:ext uri="{FF2B5EF4-FFF2-40B4-BE49-F238E27FC236}">
+                <a16:creationId xmlns:a16="http://schemas.microsoft.com/office/drawing/2014/main" id="{8CD25F0D-2243-71CC-B82D-9AE5D49A2084}"/>
+              </a:ext>
+            </a:extLst>
+          </p:cNvPr>
+          <p:cNvSpPr>
+            <a:spLocks noGrp="1"/>
+          </p:cNvSpPr>
+          <p:nvPr>
+            <p:ph type="title"/>
+          </p:nvPr>
+        </p:nvSpPr>
+        <p:spPr/>
+        <p:txBody>
+          <a:bodyPr>
+            <a:normAutofit/>
+          </a:bodyPr>
+          <a:lstStyle/>
+          <a:p>
+            <a:r>
+              <a:rPr lang="en-US" dirty="0"/>
+              <a:t>Insights</a:t>
+            </a:r>
+          </a:p>
+        </p:txBody>
+      </p:sp>
+      <p:sp>
+        <p:nvSpPr>
+          <p:cNvPr id="4" name="TextBox 3">
+            <a:extLst>
+              <a:ext uri="{FF2B5EF4-FFF2-40B4-BE49-F238E27FC236}">
+                <a16:creationId xmlns:a16="http://schemas.microsoft.com/office/drawing/2014/main" id="{B2F3CB88-1029-E2E0-BE33-18E762652251}"/>
+              </a:ext>
+            </a:extLst>
+          </p:cNvPr>
+          <p:cNvSpPr txBox="1"/>
+          <p:nvPr/>
+        </p:nvSpPr>
+        <p:spPr>
+          <a:xfrm>
+            <a:off x="838200" y="1690688"/>
+            <a:ext cx="6096000" cy="369332"/>
+          </a:xfrm>
+          <a:prstGeom prst="rect">
+            <a:avLst/>
+          </a:prstGeom>
+          <a:noFill/>
+        </p:spPr>
+        <p:txBody>
+          <a:bodyPr wrap="square">
+            <a:spAutoFit/>
+          </a:bodyPr>
+          <a:lstStyle/>
+          <a:p>
+            <a:r>
+              <a:rPr lang="en-IN" b="0" i="0" u="none" strike="noStrike" dirty="0">
+                <a:solidFill>
+                  <a:srgbClr val="000000"/>
+                </a:solidFill>
+                <a:effectLst/>
+                <a:latin typeface="Calibri" panose="020F0502020204030204" pitchFamily="34" charset="0"/>
+              </a:rPr>
+              <a:t>Lesser the annual income, higher the risk of default</a:t>
+            </a:r>
+            <a:endParaRPr lang="en-US" dirty="0"/>
+          </a:p>
+        </p:txBody>
+      </p:sp>
+      <p:pic>
+        <p:nvPicPr>
+          <p:cNvPr id="11266" name="Picture 2">
+            <a:extLst>
+              <a:ext uri="{FF2B5EF4-FFF2-40B4-BE49-F238E27FC236}">
+                <a16:creationId xmlns:a16="http://schemas.microsoft.com/office/drawing/2014/main" id="{91F8CA82-EBD0-8F6E-0235-87417F5E3A8C}"/>
+              </a:ext>
+            </a:extLst>
+          </p:cNvPr>
+          <p:cNvPicPr>
+            <a:picLocks noChangeAspect="1" noChangeArrowheads="1"/>
+          </p:cNvPicPr>
+          <p:nvPr/>
+        </p:nvPicPr>
+        <p:blipFill>
+          <a:blip r:embed="rId2">
+            <a:extLst>
+              <a:ext uri="{28A0092B-C50C-407E-A947-70E740481C1C}">
+                <a14:useLocalDpi xmlns:a14="http://schemas.microsoft.com/office/drawing/2010/main" val="0"/>
+              </a:ext>
+            </a:extLst>
+          </a:blip>
+          <a:srcRect/>
+          <a:stretch>
+            <a:fillRect/>
+          </a:stretch>
+        </p:blipFill>
+        <p:spPr bwMode="auto">
+          <a:xfrm>
+            <a:off x="3392076" y="2135563"/>
+            <a:ext cx="5407847" cy="4722437"/>
+          </a:xfrm>
+          <a:prstGeom prst="rect">
+            <a:avLst/>
+          </a:prstGeom>
+          <a:noFill/>
+          <a:extLst>
+            <a:ext uri="{909E8E84-426E-40DD-AFC4-6F175D3DCCD1}">
+              <a14:hiddenFill xmlns:a14="http://schemas.microsoft.com/office/drawing/2010/main">
+                <a:solidFill>
+                  <a:srgbClr val="FFFFFF"/>
+                </a:solidFill>
+              </a14:hiddenFill>
+            </a:ext>
+          </a:extLst>
+        </p:spPr>
+      </p:pic>
+    </p:spTree>
+    <p:extLst>
+      <p:ext uri="{BB962C8B-B14F-4D97-AF65-F5344CB8AC3E}">
+        <p14:creationId xmlns:p14="http://schemas.microsoft.com/office/powerpoint/2010/main" val="3545837845"/>
+      </p:ext>
+    </p:extLst>
+  </p:cSld>
+  <p:clrMapOvr>
+    <a:masterClrMapping/>
+  </p:clrMapOvr>
+</p:sld>
+</file>
+
+<file path=ppt/slides/slide15.xml><?xml version="1.0" encoding="utf-8"?>
+<p:sld xmlns:a="http://schemas.openxmlformats.org/drawingml/2006/main" xmlns:r="http://schemas.openxmlformats.org/officeDocument/2006/relationships" xmlns:p="http://schemas.openxmlformats.org/presentationml/2006/main">
+  <p:cSld>
+    <p:spTree>
+      <p:nvGrpSpPr>
+        <p:cNvPr id="1" name=""/>
+        <p:cNvGrpSpPr/>
+        <p:nvPr/>
+      </p:nvGrpSpPr>
+      <p:grpSpPr>
+        <a:xfrm>
+          <a:off x="0" y="0"/>
+          <a:ext cx="0" cy="0"/>
+          <a:chOff x="0" y="0"/>
+          <a:chExt cx="0" cy="0"/>
+        </a:xfrm>
+      </p:grpSpPr>
+      <p:sp>
+        <p:nvSpPr>
+          <p:cNvPr id="2" name="Title 1">
+            <a:extLst>
+              <a:ext uri="{FF2B5EF4-FFF2-40B4-BE49-F238E27FC236}">
+                <a16:creationId xmlns:a16="http://schemas.microsoft.com/office/drawing/2014/main" id="{8CD25F0D-2243-71CC-B82D-9AE5D49A2084}"/>
+              </a:ext>
+            </a:extLst>
+          </p:cNvPr>
+          <p:cNvSpPr>
+            <a:spLocks noGrp="1"/>
+          </p:cNvSpPr>
+          <p:nvPr>
+            <p:ph type="title"/>
+          </p:nvPr>
+        </p:nvSpPr>
+        <p:spPr/>
+        <p:txBody>
+          <a:bodyPr>
+            <a:normAutofit/>
+          </a:bodyPr>
+          <a:lstStyle/>
+          <a:p>
+            <a:r>
+              <a:rPr lang="en-US" dirty="0"/>
+              <a:t>Insights</a:t>
+            </a:r>
+          </a:p>
+        </p:txBody>
+      </p:sp>
+      <p:sp>
+        <p:nvSpPr>
+          <p:cNvPr id="4" name="TextBox 3">
+            <a:extLst>
+              <a:ext uri="{FF2B5EF4-FFF2-40B4-BE49-F238E27FC236}">
+                <a16:creationId xmlns:a16="http://schemas.microsoft.com/office/drawing/2014/main" id="{55950144-94C2-210D-AF98-93947A65DF65}"/>
+              </a:ext>
+            </a:extLst>
+          </p:cNvPr>
+          <p:cNvSpPr txBox="1"/>
+          <p:nvPr/>
+        </p:nvSpPr>
+        <p:spPr>
+          <a:xfrm>
+            <a:off x="838200" y="1690688"/>
+            <a:ext cx="6096000" cy="369332"/>
+          </a:xfrm>
+          <a:prstGeom prst="rect">
+            <a:avLst/>
+          </a:prstGeom>
+          <a:noFill/>
+        </p:spPr>
+        <p:txBody>
+          <a:bodyPr wrap="square">
+            <a:spAutoFit/>
+          </a:bodyPr>
+          <a:lstStyle/>
+          <a:p>
+            <a:r>
+              <a:rPr lang="en-IN" b="0" i="0" u="none" strike="noStrike" dirty="0">
+                <a:solidFill>
+                  <a:srgbClr val="000000"/>
+                </a:solidFill>
+                <a:effectLst/>
+                <a:latin typeface="Calibri" panose="020F0502020204030204" pitchFamily="34" charset="0"/>
+              </a:rPr>
+              <a:t>Higher interest rate loans are more likely to be defaulted</a:t>
+            </a:r>
+            <a:endParaRPr lang="en-US" dirty="0"/>
+          </a:p>
+        </p:txBody>
+      </p:sp>
+      <p:pic>
+        <p:nvPicPr>
+          <p:cNvPr id="12290" name="Picture 2">
+            <a:extLst>
+              <a:ext uri="{FF2B5EF4-FFF2-40B4-BE49-F238E27FC236}">
+                <a16:creationId xmlns:a16="http://schemas.microsoft.com/office/drawing/2014/main" id="{ED1422D6-1202-F74C-5525-5B1394D2CA67}"/>
+              </a:ext>
+            </a:extLst>
+          </p:cNvPr>
+          <p:cNvPicPr>
+            <a:picLocks noChangeAspect="1" noChangeArrowheads="1"/>
+          </p:cNvPicPr>
+          <p:nvPr/>
+        </p:nvPicPr>
+        <p:blipFill>
+          <a:blip r:embed="rId2">
+            <a:extLst>
+              <a:ext uri="{28A0092B-C50C-407E-A947-70E740481C1C}">
+                <a14:useLocalDpi xmlns:a14="http://schemas.microsoft.com/office/drawing/2010/main" val="0"/>
+              </a:ext>
+            </a:extLst>
+          </a:blip>
+          <a:srcRect/>
+          <a:stretch>
+            <a:fillRect/>
+          </a:stretch>
+        </p:blipFill>
+        <p:spPr bwMode="auto">
+          <a:xfrm>
+            <a:off x="2410728" y="2271317"/>
+            <a:ext cx="7370544" cy="4586683"/>
+          </a:xfrm>
+          <a:prstGeom prst="rect">
+            <a:avLst/>
+          </a:prstGeom>
+          <a:noFill/>
+          <a:extLst>
+            <a:ext uri="{909E8E84-426E-40DD-AFC4-6F175D3DCCD1}">
+              <a14:hiddenFill xmlns:a14="http://schemas.microsoft.com/office/drawing/2010/main">
+                <a:solidFill>
+                  <a:srgbClr val="FFFFFF"/>
+                </a:solidFill>
+              </a14:hiddenFill>
+            </a:ext>
+          </a:extLst>
+        </p:spPr>
+      </p:pic>
+    </p:spTree>
+    <p:extLst>
+      <p:ext uri="{BB962C8B-B14F-4D97-AF65-F5344CB8AC3E}">
+        <p14:creationId xmlns:p14="http://schemas.microsoft.com/office/powerpoint/2010/main" val="1788963068"/>
+      </p:ext>
+    </p:extLst>
+  </p:cSld>
+  <p:clrMapOvr>
+    <a:masterClrMapping/>
+  </p:clrMapOvr>
+</p:sld>
+</file>
+
+<file path=ppt/slides/slide16.xml><?xml version="1.0" encoding="utf-8"?>
+<p:sld xmlns:a="http://schemas.openxmlformats.org/drawingml/2006/main" xmlns:r="http://schemas.openxmlformats.org/officeDocument/2006/relationships" xmlns:p="http://schemas.openxmlformats.org/presentationml/2006/main">
+  <p:cSld>
+    <p:spTree>
+      <p:nvGrpSpPr>
+        <p:cNvPr id="1" name=""/>
+        <p:cNvGrpSpPr/>
+        <p:nvPr/>
+      </p:nvGrpSpPr>
+      <p:grpSpPr>
+        <a:xfrm>
+          <a:off x="0" y="0"/>
+          <a:ext cx="0" cy="0"/>
+          <a:chOff x="0" y="0"/>
+          <a:chExt cx="0" cy="0"/>
+        </a:xfrm>
+      </p:grpSpPr>
+      <p:sp>
+        <p:nvSpPr>
+          <p:cNvPr id="2" name="Title 1">
+            <a:extLst>
+              <a:ext uri="{FF2B5EF4-FFF2-40B4-BE49-F238E27FC236}">
+                <a16:creationId xmlns:a16="http://schemas.microsoft.com/office/drawing/2014/main" id="{8CD25F0D-2243-71CC-B82D-9AE5D49A2084}"/>
+              </a:ext>
+            </a:extLst>
+          </p:cNvPr>
+          <p:cNvSpPr>
+            <a:spLocks noGrp="1"/>
+          </p:cNvSpPr>
+          <p:nvPr>
+            <p:ph type="title"/>
+          </p:nvPr>
+        </p:nvSpPr>
+        <p:spPr/>
+        <p:txBody>
+          <a:bodyPr>
+            <a:normAutofit/>
+          </a:bodyPr>
+          <a:lstStyle/>
+          <a:p>
+            <a:r>
+              <a:rPr lang="en-US" dirty="0"/>
+              <a:t>Insights</a:t>
+            </a:r>
+          </a:p>
+        </p:txBody>
+      </p:sp>
+      <p:sp>
+        <p:nvSpPr>
+          <p:cNvPr id="4" name="TextBox 3">
+            <a:extLst>
+              <a:ext uri="{FF2B5EF4-FFF2-40B4-BE49-F238E27FC236}">
+                <a16:creationId xmlns:a16="http://schemas.microsoft.com/office/drawing/2014/main" id="{2599078A-D7AA-514D-F559-553E881BCEC6}"/>
+              </a:ext>
+            </a:extLst>
+          </p:cNvPr>
+          <p:cNvSpPr txBox="1"/>
+          <p:nvPr/>
+        </p:nvSpPr>
+        <p:spPr>
+          <a:xfrm>
+            <a:off x="838200" y="1603617"/>
+            <a:ext cx="6096000" cy="923330"/>
+          </a:xfrm>
+          <a:prstGeom prst="rect">
+            <a:avLst/>
+          </a:prstGeom>
+          <a:noFill/>
+        </p:spPr>
+        <p:txBody>
+          <a:bodyPr wrap="square">
+            <a:spAutoFit/>
+          </a:bodyPr>
+          <a:lstStyle/>
+          <a:p>
+            <a:r>
+              <a:rPr lang="en-IN" b="0" i="0" u="none" strike="noStrike" dirty="0">
+                <a:solidFill>
+                  <a:srgbClr val="000000"/>
+                </a:solidFill>
+                <a:effectLst/>
+                <a:latin typeface="Calibri" panose="020F0502020204030204" pitchFamily="34" charset="0"/>
+              </a:rPr>
+              <a:t>When DTI increases, loans are likely to be defaulted but only until 25. When DTI is higher than 25, loan is not likely to be defaulted</a:t>
+            </a:r>
+            <a:endParaRPr lang="en-US" dirty="0"/>
+          </a:p>
+        </p:txBody>
+      </p:sp>
+      <p:pic>
+        <p:nvPicPr>
+          <p:cNvPr id="13314" name="Picture 2">
+            <a:extLst>
+              <a:ext uri="{FF2B5EF4-FFF2-40B4-BE49-F238E27FC236}">
+                <a16:creationId xmlns:a16="http://schemas.microsoft.com/office/drawing/2014/main" id="{CAD09559-574A-77FC-5B95-BD179A052E35}"/>
+              </a:ext>
+            </a:extLst>
+          </p:cNvPr>
+          <p:cNvPicPr>
+            <a:picLocks noChangeAspect="1" noChangeArrowheads="1"/>
+          </p:cNvPicPr>
+          <p:nvPr/>
+        </p:nvPicPr>
+        <p:blipFill>
+          <a:blip r:embed="rId2">
+            <a:extLst>
+              <a:ext uri="{28A0092B-C50C-407E-A947-70E740481C1C}">
+                <a14:useLocalDpi xmlns:a14="http://schemas.microsoft.com/office/drawing/2010/main" val="0"/>
+              </a:ext>
+            </a:extLst>
+          </a:blip>
+          <a:srcRect/>
+          <a:stretch>
+            <a:fillRect/>
+          </a:stretch>
+        </p:blipFill>
+        <p:spPr bwMode="auto">
+          <a:xfrm>
+            <a:off x="2102069" y="2526947"/>
+            <a:ext cx="7987862" cy="3949207"/>
+          </a:xfrm>
+          <a:prstGeom prst="rect">
+            <a:avLst/>
+          </a:prstGeom>
+          <a:noFill/>
+          <a:extLst>
+            <a:ext uri="{909E8E84-426E-40DD-AFC4-6F175D3DCCD1}">
+              <a14:hiddenFill xmlns:a14="http://schemas.microsoft.com/office/drawing/2010/main">
+                <a:solidFill>
+                  <a:srgbClr val="FFFFFF"/>
+                </a:solidFill>
+              </a14:hiddenFill>
+            </a:ext>
+          </a:extLst>
+        </p:spPr>
+      </p:pic>
+    </p:spTree>
+    <p:extLst>
+      <p:ext uri="{BB962C8B-B14F-4D97-AF65-F5344CB8AC3E}">
+        <p14:creationId xmlns:p14="http://schemas.microsoft.com/office/powerpoint/2010/main" val="1602857098"/>
+      </p:ext>
+    </p:extLst>
+  </p:cSld>
+  <p:clrMapOvr>
+    <a:masterClrMapping/>
+  </p:clrMapOvr>
+</p:sld>
+</file>
+
+<file path=ppt/slides/slide17.xml><?xml version="1.0" encoding="utf-8"?>
+<p:sld xmlns:a="http://schemas.openxmlformats.org/drawingml/2006/main" xmlns:r="http://schemas.openxmlformats.org/officeDocument/2006/relationships" xmlns:p="http://schemas.openxmlformats.org/presentationml/2006/main">
+  <p:cSld>
+    <p:spTree>
+      <p:nvGrpSpPr>
+        <p:cNvPr id="1" name=""/>
+        <p:cNvGrpSpPr/>
+        <p:nvPr/>
+      </p:nvGrpSpPr>
+      <p:grpSpPr>
+        <a:xfrm>
+          <a:off x="0" y="0"/>
+          <a:ext cx="0" cy="0"/>
+          <a:chOff x="0" y="0"/>
+          <a:chExt cx="0" cy="0"/>
+        </a:xfrm>
+      </p:grpSpPr>
+      <p:sp>
+        <p:nvSpPr>
+          <p:cNvPr id="2" name="Title 1">
+            <a:extLst>
+              <a:ext uri="{FF2B5EF4-FFF2-40B4-BE49-F238E27FC236}">
+                <a16:creationId xmlns:a16="http://schemas.microsoft.com/office/drawing/2014/main" id="{965DB1CC-FD84-5C96-27FC-BCC03747CED7}"/>
+              </a:ext>
+            </a:extLst>
+          </p:cNvPr>
+          <p:cNvSpPr>
+            <a:spLocks noGrp="1"/>
+          </p:cNvSpPr>
+          <p:nvPr>
+            <p:ph type="title"/>
+          </p:nvPr>
+        </p:nvSpPr>
+        <p:spPr/>
+        <p:txBody>
+          <a:bodyPr/>
+          <a:lstStyle/>
+          <a:p>
+            <a:r>
+              <a:rPr lang="en-US" dirty="0"/>
+              <a:t>Insights</a:t>
+            </a:r>
+          </a:p>
+        </p:txBody>
+      </p:sp>
+      <p:sp>
+        <p:nvSpPr>
+          <p:cNvPr id="3" name="TextBox 2">
+            <a:extLst>
+              <a:ext uri="{FF2B5EF4-FFF2-40B4-BE49-F238E27FC236}">
+                <a16:creationId xmlns:a16="http://schemas.microsoft.com/office/drawing/2014/main" id="{1E623E4E-A87E-296D-B28D-BC5B09B0B739}"/>
+              </a:ext>
+            </a:extLst>
+          </p:cNvPr>
+          <p:cNvSpPr txBox="1"/>
+          <p:nvPr/>
+        </p:nvSpPr>
+        <p:spPr>
+          <a:xfrm>
+            <a:off x="838199" y="1603617"/>
+            <a:ext cx="9913883" cy="369332"/>
+          </a:xfrm>
+          <a:prstGeom prst="rect">
+            <a:avLst/>
+          </a:prstGeom>
+          <a:noFill/>
+        </p:spPr>
+        <p:txBody>
+          <a:bodyPr wrap="square">
+            <a:spAutoFit/>
+          </a:bodyPr>
+          <a:lstStyle/>
+          <a:p>
+            <a:r>
+              <a:rPr lang="en-IN" b="0" i="0" u="none" strike="noStrike" dirty="0">
+                <a:solidFill>
+                  <a:srgbClr val="000000"/>
+                </a:solidFill>
+                <a:effectLst/>
+                <a:latin typeface="Calibri" panose="020F0502020204030204" pitchFamily="34" charset="0"/>
+              </a:rPr>
+              <a:t>Correlation between Loan amount, Funded amount and Funded amount by Investors</a:t>
+            </a:r>
+            <a:endParaRPr lang="en-US" dirty="0"/>
+          </a:p>
+        </p:txBody>
+      </p:sp>
+      <p:pic>
+        <p:nvPicPr>
+          <p:cNvPr id="14338" name="Picture 2">
+            <a:extLst>
+              <a:ext uri="{FF2B5EF4-FFF2-40B4-BE49-F238E27FC236}">
+                <a16:creationId xmlns:a16="http://schemas.microsoft.com/office/drawing/2014/main" id="{E7499DC5-5EB5-F765-E8B9-502C09351915}"/>
+              </a:ext>
+            </a:extLst>
+          </p:cNvPr>
+          <p:cNvPicPr>
+            <a:picLocks noChangeAspect="1" noChangeArrowheads="1"/>
+          </p:cNvPicPr>
+          <p:nvPr/>
+        </p:nvPicPr>
+        <p:blipFill>
+          <a:blip r:embed="rId2">
+            <a:extLst>
+              <a:ext uri="{28A0092B-C50C-407E-A947-70E740481C1C}">
+                <a14:useLocalDpi xmlns:a14="http://schemas.microsoft.com/office/drawing/2010/main" val="0"/>
+              </a:ext>
+            </a:extLst>
+          </a:blip>
+          <a:srcRect/>
+          <a:stretch>
+            <a:fillRect/>
+          </a:stretch>
+        </p:blipFill>
+        <p:spPr bwMode="auto">
+          <a:xfrm>
+            <a:off x="2825832" y="2297654"/>
+            <a:ext cx="6540336" cy="4423712"/>
+          </a:xfrm>
+          <a:prstGeom prst="rect">
+            <a:avLst/>
+          </a:prstGeom>
+          <a:noFill/>
+          <a:extLst>
+            <a:ext uri="{909E8E84-426E-40DD-AFC4-6F175D3DCCD1}">
+              <a14:hiddenFill xmlns:a14="http://schemas.microsoft.com/office/drawing/2010/main">
+                <a:solidFill>
+                  <a:srgbClr val="FFFFFF"/>
+                </a:solidFill>
+              </a14:hiddenFill>
+            </a:ext>
+          </a:extLst>
+        </p:spPr>
+      </p:pic>
+    </p:spTree>
+    <p:extLst>
+      <p:ext uri="{BB962C8B-B14F-4D97-AF65-F5344CB8AC3E}">
+        <p14:creationId xmlns:p14="http://schemas.microsoft.com/office/powerpoint/2010/main" val="473871219"/>
+      </p:ext>
+    </p:extLst>
+  </p:cSld>
+  <p:clrMapOvr>
+    <a:masterClrMapping/>
+  </p:clrMapOvr>
+</p:sld>
+</file>
+
+<file path=ppt/slides/slide18.xml><?xml version="1.0" encoding="utf-8"?>
+<p:sld xmlns:a="http://schemas.openxmlformats.org/drawingml/2006/main" xmlns:r="http://schemas.openxmlformats.org/officeDocument/2006/relationships" xmlns:p="http://schemas.openxmlformats.org/presentationml/2006/main">
+  <p:cSld>
+    <p:spTree>
+      <p:nvGrpSpPr>
+        <p:cNvPr id="1" name=""/>
+        <p:cNvGrpSpPr/>
+        <p:nvPr/>
+      </p:nvGrpSpPr>
+      <p:grpSpPr>
+        <a:xfrm>
+          <a:off x="0" y="0"/>
+          <a:ext cx="0" cy="0"/>
+          <a:chOff x="0" y="0"/>
+          <a:chExt cx="0" cy="0"/>
+        </a:xfrm>
+      </p:grpSpPr>
+      <p:sp>
+        <p:nvSpPr>
+          <p:cNvPr id="3" name="Contact information"/>
+          <p:cNvSpPr>
+            <a:spLocks noGrp="1"/>
+          </p:cNvSpPr>
+          <p:nvPr>
+            <p:ph type="body" sz="quarter" idx="10"/>
+          </p:nvPr>
+        </p:nvSpPr>
+        <p:spPr bwMode="gray">
+          <a:xfrm>
+            <a:off x="503868" y="3350400"/>
+            <a:ext cx="5592132" cy="2500359"/>
+          </a:xfrm>
+        </p:spPr>
+        <p:txBody>
+          <a:bodyPr/>
+          <a:lstStyle/>
+          <a:p>
+            <a:pPr marL="0" indent="0">
+              <a:buNone/>
+            </a:pPr>
+            <a:r>
+              <a:rPr lang="en-US" dirty="0">
+                <a:latin typeface="Arial" panose="020B0604020202020204" pitchFamily="34" charset="0"/>
+                <a:cs typeface="Arial" panose="020B0604020202020204" pitchFamily="34" charset="0"/>
+              </a:rPr>
+              <a:t>Contact Information -</a:t>
+            </a:r>
+          </a:p>
+          <a:p>
+            <a:pPr marL="0" indent="0">
+              <a:buNone/>
+            </a:pPr>
+            <a:r>
+              <a:rPr lang="en-US" sz="1400" dirty="0" err="1">
+                <a:latin typeface="Arial" panose="020B0604020202020204" pitchFamily="34" charset="0"/>
+                <a:cs typeface="Arial" panose="020B0604020202020204" pitchFamily="34" charset="0"/>
+              </a:rPr>
+              <a:t>Prathyusha</a:t>
+            </a:r>
+            <a:r>
+              <a:rPr lang="en-US" sz="1400" dirty="0">
+                <a:latin typeface="Arial" panose="020B0604020202020204" pitchFamily="34" charset="0"/>
+                <a:cs typeface="Arial" panose="020B0604020202020204" pitchFamily="34" charset="0"/>
+              </a:rPr>
+              <a:t> </a:t>
+            </a:r>
+            <a:r>
+              <a:rPr lang="en-US" sz="1400" dirty="0" err="1">
+                <a:latin typeface="Arial" panose="020B0604020202020204" pitchFamily="34" charset="0"/>
+                <a:cs typeface="Arial" panose="020B0604020202020204" pitchFamily="34" charset="0"/>
+              </a:rPr>
+              <a:t>Thenepalli</a:t>
+            </a:r>
+            <a:endParaRPr lang="en-US" sz="1400" dirty="0">
+              <a:latin typeface="Arial" panose="020B0604020202020204" pitchFamily="34" charset="0"/>
+              <a:cs typeface="Arial" panose="020B0604020202020204" pitchFamily="34" charset="0"/>
+            </a:endParaRPr>
+          </a:p>
+          <a:p>
+            <a:pPr marL="0" indent="0">
+              <a:buNone/>
+            </a:pPr>
+            <a:r>
+              <a:rPr lang="en-US" sz="1200" dirty="0">
+                <a:latin typeface="Arial" panose="020B0604020202020204" pitchFamily="34" charset="0"/>
+                <a:cs typeface="Arial" panose="020B0604020202020204" pitchFamily="34" charset="0"/>
+                <a:hlinkClick r:id="rId2"/>
+              </a:rPr>
+              <a:t>prathyusha.thenepalli@sap.com</a:t>
+            </a:r>
+            <a:endParaRPr lang="en-US" sz="1200" dirty="0">
+              <a:latin typeface="Arial" panose="020B0604020202020204" pitchFamily="34" charset="0"/>
+              <a:cs typeface="Arial" panose="020B0604020202020204" pitchFamily="34" charset="0"/>
+            </a:endParaRPr>
+          </a:p>
+          <a:p>
+            <a:pPr marL="0" indent="0">
+              <a:buNone/>
+            </a:pPr>
+            <a:r>
+              <a:rPr lang="en-US" sz="1400" dirty="0">
+                <a:latin typeface="Arial" panose="020B0604020202020204" pitchFamily="34" charset="0"/>
+                <a:cs typeface="Arial" panose="020B0604020202020204" pitchFamily="34" charset="0"/>
+              </a:rPr>
+              <a:t>Kiruthiga Bose</a:t>
+            </a:r>
+          </a:p>
+          <a:p>
+            <a:pPr marL="0" indent="0">
+              <a:buNone/>
+            </a:pPr>
+            <a:r>
+              <a:rPr lang="en-US" sz="1400" dirty="0">
+                <a:latin typeface="Arial" panose="020B0604020202020204" pitchFamily="34" charset="0"/>
+                <a:cs typeface="Arial" panose="020B0604020202020204" pitchFamily="34" charset="0"/>
+                <a:hlinkClick r:id="rId3"/>
+              </a:rPr>
+              <a:t>kiruthiga.bose@sap.com</a:t>
+            </a:r>
+            <a:endParaRPr lang="en-US" sz="1400" dirty="0">
+              <a:latin typeface="Arial" panose="020B0604020202020204" pitchFamily="34" charset="0"/>
+              <a:cs typeface="Arial" panose="020B0604020202020204" pitchFamily="34" charset="0"/>
+            </a:endParaRPr>
+          </a:p>
+        </p:txBody>
+      </p:sp>
+      <p:pic>
+        <p:nvPicPr>
+          <p:cNvPr id="6" name="Picture 5">
+            <a:extLst>
+              <a:ext uri="{FF2B5EF4-FFF2-40B4-BE49-F238E27FC236}">
+                <a16:creationId xmlns:a16="http://schemas.microsoft.com/office/drawing/2014/main" id="{5072E16E-AF65-8C09-1D59-0EF488947CBC}"/>
+              </a:ext>
+            </a:extLst>
+          </p:cNvPr>
+          <p:cNvPicPr>
+            <a:picLocks noChangeAspect="1"/>
+          </p:cNvPicPr>
+          <p:nvPr/>
+        </p:nvPicPr>
+        <p:blipFill>
+          <a:blip r:embed="rId4"/>
+          <a:stretch>
+            <a:fillRect/>
+          </a:stretch>
+        </p:blipFill>
+        <p:spPr>
+          <a:xfrm>
+            <a:off x="76200" y="1002146"/>
+            <a:ext cx="6019800" cy="1473200"/>
+          </a:xfrm>
+          <a:prstGeom prst="rect">
+            <a:avLst/>
+          </a:prstGeom>
+        </p:spPr>
+      </p:pic>
+    </p:spTree>
+    <p:extLst>
+      <p:ext uri="{BB962C8B-B14F-4D97-AF65-F5344CB8AC3E}">
+        <p14:creationId xmlns:p14="http://schemas.microsoft.com/office/powerpoint/2010/main" val="1881851238"/>
       </p:ext>
     </p:extLst>
   </p:cSld>
@@ -6446,90 +7890,7 @@
             </a:r>
           </a:p>
           <a:p>
-            <a:r>
-              <a:rPr lang="en-US" sz="1600" dirty="0"/>
-              <a:t>Loans were requested mostly for Debt Consolidation and Credit Card</a:t>
-            </a:r>
-          </a:p>
-          <a:p>
-            <a:r>
-              <a:rPr lang="en-US" sz="1600" dirty="0"/>
-              <a:t>Median annual income is 60000 USD</a:t>
-            </a:r>
-          </a:p>
-          <a:p>
-            <a:r>
-              <a:rPr lang="en-US" sz="1600" dirty="0"/>
-              <a:t>Most of the loans get funded in December</a:t>
-            </a:r>
-          </a:p>
-          <a:p>
-            <a:r>
-              <a:rPr lang="en-US" sz="1600" dirty="0"/>
-              <a:t>The company has grown steadily as the funded loans show a steady increase over the years</a:t>
-            </a:r>
-          </a:p>
-          <a:p>
-            <a:r>
-              <a:rPr lang="en-US" sz="1600" dirty="0"/>
-              <a:t>Shorter tenure loans are more likely to get defaulted</a:t>
-            </a:r>
-          </a:p>
-          <a:p>
-            <a:r>
-              <a:rPr lang="en-US" sz="1600" dirty="0"/>
-              <a:t>There was no visible correlation between verification status and the loan default</a:t>
-            </a:r>
-          </a:p>
-          <a:p>
-            <a:r>
-              <a:rPr lang="en-US" sz="1600" dirty="0"/>
-              <a:t>Lesser employment tenure and more than 10 years employment tenure could default on the loan</a:t>
-            </a:r>
-          </a:p>
-          <a:p>
-            <a:r>
-              <a:rPr lang="en-US" sz="1600" dirty="0"/>
-              <a:t>Loans graded F and G tend to default more. As the category progresses from A to G, risk of default also increases.</a:t>
-            </a:r>
-          </a:p>
-          <a:p>
-            <a:r>
-              <a:rPr lang="en-US" sz="1600" dirty="0"/>
-              <a:t>Loans taken for small business, renewable energy and educational purposes tend to default more</a:t>
-            </a:r>
-          </a:p>
-          <a:p>
-            <a:r>
-              <a:rPr lang="en-US" sz="1600" dirty="0"/>
-              <a:t>Renters are more likely to default than home-owners and people with </a:t>
-            </a:r>
-            <a:r>
-              <a:rPr lang="en-US" sz="1600" dirty="0" err="1"/>
-              <a:t>mortaged</a:t>
-            </a:r>
-            <a:r>
-              <a:rPr lang="en-US" sz="1600" dirty="0"/>
-              <a:t> homes</a:t>
-            </a:r>
-          </a:p>
-          <a:p>
-            <a:r>
-              <a:rPr lang="en-US" sz="1600" dirty="0"/>
-              <a:t>Lesser the annual income, higher the risk of default</a:t>
-            </a:r>
-          </a:p>
-          <a:p>
-            <a:r>
-              <a:rPr lang="en-US" sz="1600" dirty="0"/>
-              <a:t>Higher interest rate loans are more likely to be defaulted</a:t>
-            </a:r>
-          </a:p>
-          <a:p>
-            <a:r>
-              <a:rPr lang="en-US" sz="1600" dirty="0"/>
-              <a:t>When DTI increases, loans are likely to be defaulted but only until 25. When DTI is higher than 25, loan is not likely to be defaulted</a:t>
-            </a:r>
+            <a:endParaRPr lang="en-US" sz="1600" dirty="0"/>
           </a:p>
           <a:p>
             <a:pPr marL="0" indent="0">
@@ -6543,6 +7904,53 @@
           </a:p>
         </p:txBody>
       </p:sp>
+      <p:pic>
+        <p:nvPicPr>
+          <p:cNvPr id="1026" name="Picture 2">
+            <a:extLst>
+              <a:ext uri="{FF2B5EF4-FFF2-40B4-BE49-F238E27FC236}">
+                <a16:creationId xmlns:a16="http://schemas.microsoft.com/office/drawing/2014/main" id="{34279DC1-9A5E-43DF-0E51-98D8BA28E6E0}"/>
+              </a:ext>
+            </a:extLst>
+          </p:cNvPr>
+          <p:cNvPicPr>
+            <a:picLocks noChangeAspect="1" noChangeArrowheads="1"/>
+          </p:cNvPicPr>
+          <p:nvPr/>
+        </p:nvPicPr>
+        <p:blipFill>
+          <a:blip r:embed="rId2">
+            <a:extLst>
+              <a:ext uri="{28A0092B-C50C-407E-A947-70E740481C1C}">
+                <a14:useLocalDpi xmlns:a14="http://schemas.microsoft.com/office/drawing/2010/main" val="0"/>
+              </a:ext>
+            </a:extLst>
+          </a:blip>
+          <a:srcRect/>
+          <a:stretch>
+            <a:fillRect/>
+          </a:stretch>
+        </p:blipFill>
+        <p:spPr bwMode="auto">
+          <a:xfrm>
+            <a:off x="5822512" y="1273175"/>
+            <a:ext cx="4940300" cy="5219700"/>
+          </a:xfrm>
+          <a:prstGeom prst="rect">
+            <a:avLst/>
+          </a:prstGeom>
+          <a:noFill/>
+          <a:extLst>
+            <a:ext uri="{909E8E84-426E-40DD-AFC4-6F175D3DCCD1}">
+              <a14:hiddenFill xmlns:a14="http://schemas.microsoft.com/office/drawing/2010/main">
+                <a:solidFill>
+                  <a:srgbClr val="FFFFFF"/>
+                </a:solidFill>
+              </a14:hiddenFill>
+            </a:ext>
+          </a:extLst>
+        </p:spPr>
+      </p:pic>
     </p:spTree>
     <p:extLst>
       <p:ext uri="{BB962C8B-B14F-4D97-AF65-F5344CB8AC3E}">
@@ -6575,147 +7983,737 @@
       </p:grpSpPr>
       <p:sp>
         <p:nvSpPr>
-          <p:cNvPr id="3" name="Contact information"/>
+          <p:cNvPr id="2" name="Title 1">
+            <a:extLst>
+              <a:ext uri="{FF2B5EF4-FFF2-40B4-BE49-F238E27FC236}">
+                <a16:creationId xmlns:a16="http://schemas.microsoft.com/office/drawing/2014/main" id="{8CD25F0D-2243-71CC-B82D-9AE5D49A2084}"/>
+              </a:ext>
+            </a:extLst>
+          </p:cNvPr>
           <p:cNvSpPr>
             <a:spLocks noGrp="1"/>
           </p:cNvSpPr>
           <p:nvPr>
-            <p:ph type="body" sz="quarter" idx="10"/>
+            <p:ph type="title"/>
           </p:nvPr>
         </p:nvSpPr>
-        <p:spPr bwMode="gray">
+        <p:spPr/>
+        <p:txBody>
+          <a:bodyPr>
+            <a:normAutofit/>
+          </a:bodyPr>
+          <a:lstStyle/>
+          <a:p>
+            <a:r>
+              <a:rPr lang="en-US" dirty="0"/>
+              <a:t>Insights</a:t>
+            </a:r>
+          </a:p>
+        </p:txBody>
+      </p:sp>
+      <p:sp>
+        <p:nvSpPr>
+          <p:cNvPr id="6" name="TextBox 5">
+            <a:extLst>
+              <a:ext uri="{FF2B5EF4-FFF2-40B4-BE49-F238E27FC236}">
+                <a16:creationId xmlns:a16="http://schemas.microsoft.com/office/drawing/2014/main" id="{4D4DC1D5-55E0-7344-435C-0E368330CB64}"/>
+              </a:ext>
+            </a:extLst>
+          </p:cNvPr>
+          <p:cNvSpPr txBox="1"/>
+          <p:nvPr/>
+        </p:nvSpPr>
+        <p:spPr>
           <a:xfrm>
-            <a:off x="503868" y="3350400"/>
-            <a:ext cx="5592132" cy="2500359"/>
+            <a:off x="838200" y="1615993"/>
+            <a:ext cx="4595648" cy="646331"/>
           </a:xfrm>
+          <a:prstGeom prst="rect">
+            <a:avLst/>
+          </a:prstGeom>
+          <a:noFill/>
         </p:spPr>
         <p:txBody>
-          <a:bodyPr/>
+          <a:bodyPr wrap="square">
+            <a:spAutoFit/>
+          </a:bodyPr>
           <a:lstStyle/>
           <a:p>
-            <a:pPr marL="0" indent="0">
-              <a:buNone/>
-            </a:pPr>
-            <a:r>
-              <a:rPr lang="en-US" dirty="0">
-                <a:latin typeface="Arial" panose="020B0604020202020204" pitchFamily="34" charset="0"/>
-                <a:cs typeface="Arial" panose="020B0604020202020204" pitchFamily="34" charset="0"/>
+            <a:r>
+              <a:rPr lang="en-IN" b="0" i="0" u="none" strike="noStrike" dirty="0">
+                <a:solidFill>
+                  <a:srgbClr val="000000"/>
+                </a:solidFill>
+                <a:effectLst/>
+                <a:latin typeface="Calibri Light" panose="020F0302020204030204" pitchFamily="34" charset="0"/>
               </a:rPr>
-              <a:t>Contact Information -</a:t>
-            </a:r>
-          </a:p>
-          <a:p>
-            <a:pPr marL="0" indent="0">
-              <a:buNone/>
-            </a:pPr>
-            <a:r>
-              <a:rPr lang="en-US" sz="1400" dirty="0" err="1">
-                <a:latin typeface="Arial" panose="020B0604020202020204" pitchFamily="34" charset="0"/>
-                <a:cs typeface="Arial" panose="020B0604020202020204" pitchFamily="34" charset="0"/>
-              </a:rPr>
-              <a:t>Prathyusha</a:t>
-            </a:r>
-            <a:r>
-              <a:rPr lang="en-US" sz="1400" dirty="0">
-                <a:latin typeface="Arial" panose="020B0604020202020204" pitchFamily="34" charset="0"/>
-                <a:cs typeface="Arial" panose="020B0604020202020204" pitchFamily="34" charset="0"/>
-              </a:rPr>
-              <a:t> </a:t>
-            </a:r>
-            <a:r>
-              <a:rPr lang="en-US" sz="1400" dirty="0" err="1">
-                <a:latin typeface="Arial" panose="020B0604020202020204" pitchFamily="34" charset="0"/>
-                <a:cs typeface="Arial" panose="020B0604020202020204" pitchFamily="34" charset="0"/>
-              </a:rPr>
-              <a:t>Thenepalli</a:t>
-            </a:r>
-            <a:endParaRPr lang="en-US" sz="1400" dirty="0">
-              <a:latin typeface="Arial" panose="020B0604020202020204" pitchFamily="34" charset="0"/>
-              <a:cs typeface="Arial" panose="020B0604020202020204" pitchFamily="34" charset="0"/>
-            </a:endParaRPr>
-          </a:p>
-          <a:p>
-            <a:pPr marL="0" indent="0">
-              <a:buNone/>
-            </a:pPr>
-            <a:r>
-              <a:rPr lang="en-US" sz="1200" dirty="0">
-                <a:latin typeface="Arial" panose="020B0604020202020204" pitchFamily="34" charset="0"/>
-                <a:cs typeface="Arial" panose="020B0604020202020204" pitchFamily="34" charset="0"/>
-                <a:hlinkClick r:id="rId2"/>
-              </a:rPr>
-              <a:t>prathyusha.thenepalli@sap.com</a:t>
-            </a:r>
-            <a:endParaRPr lang="en-US" sz="1200" dirty="0">
-              <a:latin typeface="Arial" panose="020B0604020202020204" pitchFamily="34" charset="0"/>
-              <a:cs typeface="Arial" panose="020B0604020202020204" pitchFamily="34" charset="0"/>
-            </a:endParaRPr>
-          </a:p>
-          <a:p>
-            <a:pPr marL="0" indent="0">
-              <a:buNone/>
-            </a:pPr>
-            <a:r>
-              <a:rPr lang="en-US" sz="1400" dirty="0">
-                <a:latin typeface="Arial" panose="020B0604020202020204" pitchFamily="34" charset="0"/>
-                <a:cs typeface="Arial" panose="020B0604020202020204" pitchFamily="34" charset="0"/>
-              </a:rPr>
-              <a:t>Kiruthiga Bose</a:t>
-            </a:r>
-          </a:p>
-          <a:p>
-            <a:pPr marL="0" indent="0">
-              <a:buNone/>
-            </a:pPr>
-            <a:r>
-              <a:rPr lang="en-US" sz="1400" dirty="0">
-                <a:latin typeface="Arial" panose="020B0604020202020204" pitchFamily="34" charset="0"/>
-                <a:cs typeface="Arial" panose="020B0604020202020204" pitchFamily="34" charset="0"/>
-                <a:hlinkClick r:id="rId3"/>
-              </a:rPr>
-              <a:t>kiruthiga.bose@sap.com</a:t>
-            </a:r>
-            <a:endParaRPr lang="en-US" sz="1400" dirty="0">
-              <a:latin typeface="Arial" panose="020B0604020202020204" pitchFamily="34" charset="0"/>
-              <a:cs typeface="Arial" panose="020B0604020202020204" pitchFamily="34" charset="0"/>
-            </a:endParaRPr>
+              <a:t>Loans were requested mostly for Debt Consolidation and Credit Card</a:t>
+            </a:r>
+            <a:endParaRPr lang="en-US" dirty="0"/>
           </a:p>
         </p:txBody>
       </p:sp>
       <p:pic>
         <p:nvPicPr>
-          <p:cNvPr id="6" name="Picture 5">
-            <a:extLst>
-              <a:ext uri="{FF2B5EF4-FFF2-40B4-BE49-F238E27FC236}">
-                <a16:creationId xmlns:a16="http://schemas.microsoft.com/office/drawing/2014/main" id="{5072E16E-AF65-8C09-1D59-0EF488947CBC}"/>
+          <p:cNvPr id="2050" name="Picture 2">
+            <a:extLst>
+              <a:ext uri="{FF2B5EF4-FFF2-40B4-BE49-F238E27FC236}">
+                <a16:creationId xmlns:a16="http://schemas.microsoft.com/office/drawing/2014/main" id="{2058449B-41E6-9AC4-78DF-2F479B0B083A}"/>
               </a:ext>
             </a:extLst>
           </p:cNvPr>
           <p:cNvPicPr>
-            <a:picLocks noChangeAspect="1"/>
+            <a:picLocks noChangeAspect="1" noChangeArrowheads="1"/>
           </p:cNvPicPr>
           <p:nvPr/>
         </p:nvPicPr>
         <p:blipFill>
-          <a:blip r:embed="rId4"/>
+          <a:blip r:embed="rId2">
+            <a:extLst>
+              <a:ext uri="{28A0092B-C50C-407E-A947-70E740481C1C}">
+                <a14:useLocalDpi xmlns:a14="http://schemas.microsoft.com/office/drawing/2010/main" val="0"/>
+              </a:ext>
+            </a:extLst>
+          </a:blip>
+          <a:srcRect/>
           <a:stretch>
             <a:fillRect/>
           </a:stretch>
         </p:blipFill>
-        <p:spPr>
+        <p:spPr bwMode="auto">
           <a:xfrm>
-            <a:off x="76200" y="1002146"/>
-            <a:ext cx="6019800" cy="1473200"/>
+            <a:off x="4970029" y="1418896"/>
+            <a:ext cx="6229165" cy="4829503"/>
           </a:xfrm>
           <a:prstGeom prst="rect">
             <a:avLst/>
           </a:prstGeom>
+          <a:noFill/>
+          <a:extLst>
+            <a:ext uri="{909E8E84-426E-40DD-AFC4-6F175D3DCCD1}">
+              <a14:hiddenFill xmlns:a14="http://schemas.microsoft.com/office/drawing/2010/main">
+                <a:solidFill>
+                  <a:srgbClr val="FFFFFF"/>
+                </a:solidFill>
+              </a14:hiddenFill>
+            </a:ext>
+          </a:extLst>
         </p:spPr>
       </p:pic>
     </p:spTree>
     <p:extLst>
       <p:ext uri="{BB962C8B-B14F-4D97-AF65-F5344CB8AC3E}">
-        <p14:creationId xmlns:p14="http://schemas.microsoft.com/office/powerpoint/2010/main" val="1881851238"/>
+        <p14:creationId xmlns:p14="http://schemas.microsoft.com/office/powerpoint/2010/main" val="2565798754"/>
+      </p:ext>
+    </p:extLst>
+  </p:cSld>
+  <p:clrMapOvr>
+    <a:masterClrMapping/>
+  </p:clrMapOvr>
+</p:sld>
+</file>
+
+<file path=ppt/slides/slide6.xml><?xml version="1.0" encoding="utf-8"?>
+<p:sld xmlns:a="http://schemas.openxmlformats.org/drawingml/2006/main" xmlns:r="http://schemas.openxmlformats.org/officeDocument/2006/relationships" xmlns:p="http://schemas.openxmlformats.org/presentationml/2006/main">
+  <p:cSld>
+    <p:spTree>
+      <p:nvGrpSpPr>
+        <p:cNvPr id="1" name=""/>
+        <p:cNvGrpSpPr/>
+        <p:nvPr/>
+      </p:nvGrpSpPr>
+      <p:grpSpPr>
+        <a:xfrm>
+          <a:off x="0" y="0"/>
+          <a:ext cx="0" cy="0"/>
+          <a:chOff x="0" y="0"/>
+          <a:chExt cx="0" cy="0"/>
+        </a:xfrm>
+      </p:grpSpPr>
+      <p:sp>
+        <p:nvSpPr>
+          <p:cNvPr id="2" name="Title 1">
+            <a:extLst>
+              <a:ext uri="{FF2B5EF4-FFF2-40B4-BE49-F238E27FC236}">
+                <a16:creationId xmlns:a16="http://schemas.microsoft.com/office/drawing/2014/main" id="{8CD25F0D-2243-71CC-B82D-9AE5D49A2084}"/>
+              </a:ext>
+            </a:extLst>
+          </p:cNvPr>
+          <p:cNvSpPr>
+            <a:spLocks noGrp="1"/>
+          </p:cNvSpPr>
+          <p:nvPr>
+            <p:ph type="title"/>
+          </p:nvPr>
+        </p:nvSpPr>
+        <p:spPr/>
+        <p:txBody>
+          <a:bodyPr>
+            <a:normAutofit/>
+          </a:bodyPr>
+          <a:lstStyle/>
+          <a:p>
+            <a:r>
+              <a:rPr lang="en-US" dirty="0"/>
+              <a:t>Insights</a:t>
+            </a:r>
+          </a:p>
+        </p:txBody>
+      </p:sp>
+      <p:sp>
+        <p:nvSpPr>
+          <p:cNvPr id="4" name="TextBox 3">
+            <a:extLst>
+              <a:ext uri="{FF2B5EF4-FFF2-40B4-BE49-F238E27FC236}">
+                <a16:creationId xmlns:a16="http://schemas.microsoft.com/office/drawing/2014/main" id="{EEF52B60-5307-1809-2766-E5515E2193CF}"/>
+              </a:ext>
+            </a:extLst>
+          </p:cNvPr>
+          <p:cNvSpPr txBox="1"/>
+          <p:nvPr/>
+        </p:nvSpPr>
+        <p:spPr>
+          <a:xfrm>
+            <a:off x="838200" y="1690688"/>
+            <a:ext cx="6096000" cy="369332"/>
+          </a:xfrm>
+          <a:prstGeom prst="rect">
+            <a:avLst/>
+          </a:prstGeom>
+          <a:noFill/>
+        </p:spPr>
+        <p:txBody>
+          <a:bodyPr wrap="square">
+            <a:spAutoFit/>
+          </a:bodyPr>
+          <a:lstStyle/>
+          <a:p>
+            <a:r>
+              <a:rPr lang="en-IN" sz="1800" b="0" i="0" u="none" strike="noStrike" dirty="0">
+                <a:solidFill>
+                  <a:srgbClr val="000000"/>
+                </a:solidFill>
+                <a:effectLst/>
+                <a:latin typeface="Calibri" panose="020F0502020204030204" pitchFamily="34" charset="0"/>
+              </a:rPr>
+              <a:t>Median annual income is 60000 USD</a:t>
+            </a:r>
+            <a:endParaRPr lang="en-US" dirty="0"/>
+          </a:p>
+        </p:txBody>
+      </p:sp>
+      <p:pic>
+        <p:nvPicPr>
+          <p:cNvPr id="3074" name="Picture 2">
+            <a:extLst>
+              <a:ext uri="{FF2B5EF4-FFF2-40B4-BE49-F238E27FC236}">
+                <a16:creationId xmlns:a16="http://schemas.microsoft.com/office/drawing/2014/main" id="{2205A3F4-04CB-269E-2954-51A25B253A9A}"/>
+              </a:ext>
+            </a:extLst>
+          </p:cNvPr>
+          <p:cNvPicPr>
+            <a:picLocks noChangeAspect="1" noChangeArrowheads="1"/>
+          </p:cNvPicPr>
+          <p:nvPr/>
+        </p:nvPicPr>
+        <p:blipFill>
+          <a:blip r:embed="rId2">
+            <a:extLst>
+              <a:ext uri="{28A0092B-C50C-407E-A947-70E740481C1C}">
+                <a14:useLocalDpi xmlns:a14="http://schemas.microsoft.com/office/drawing/2010/main" val="0"/>
+              </a:ext>
+            </a:extLst>
+          </a:blip>
+          <a:srcRect/>
+          <a:stretch>
+            <a:fillRect/>
+          </a:stretch>
+        </p:blipFill>
+        <p:spPr bwMode="auto">
+          <a:xfrm>
+            <a:off x="4745764" y="1051033"/>
+            <a:ext cx="7285295" cy="5308381"/>
+          </a:xfrm>
+          <a:prstGeom prst="rect">
+            <a:avLst/>
+          </a:prstGeom>
+          <a:noFill/>
+          <a:extLst>
+            <a:ext uri="{909E8E84-426E-40DD-AFC4-6F175D3DCCD1}">
+              <a14:hiddenFill xmlns:a14="http://schemas.microsoft.com/office/drawing/2010/main">
+                <a:solidFill>
+                  <a:srgbClr val="FFFFFF"/>
+                </a:solidFill>
+              </a14:hiddenFill>
+            </a:ext>
+          </a:extLst>
+        </p:spPr>
+      </p:pic>
+    </p:spTree>
+    <p:extLst>
+      <p:ext uri="{BB962C8B-B14F-4D97-AF65-F5344CB8AC3E}">
+        <p14:creationId xmlns:p14="http://schemas.microsoft.com/office/powerpoint/2010/main" val="1906587867"/>
+      </p:ext>
+    </p:extLst>
+  </p:cSld>
+  <p:clrMapOvr>
+    <a:masterClrMapping/>
+  </p:clrMapOvr>
+</p:sld>
+</file>
+
+<file path=ppt/slides/slide7.xml><?xml version="1.0" encoding="utf-8"?>
+<p:sld xmlns:a="http://schemas.openxmlformats.org/drawingml/2006/main" xmlns:r="http://schemas.openxmlformats.org/officeDocument/2006/relationships" xmlns:p="http://schemas.openxmlformats.org/presentationml/2006/main">
+  <p:cSld>
+    <p:spTree>
+      <p:nvGrpSpPr>
+        <p:cNvPr id="1" name=""/>
+        <p:cNvGrpSpPr/>
+        <p:nvPr/>
+      </p:nvGrpSpPr>
+      <p:grpSpPr>
+        <a:xfrm>
+          <a:off x="0" y="0"/>
+          <a:ext cx="0" cy="0"/>
+          <a:chOff x="0" y="0"/>
+          <a:chExt cx="0" cy="0"/>
+        </a:xfrm>
+      </p:grpSpPr>
+      <p:sp>
+        <p:nvSpPr>
+          <p:cNvPr id="2" name="Title 1">
+            <a:extLst>
+              <a:ext uri="{FF2B5EF4-FFF2-40B4-BE49-F238E27FC236}">
+                <a16:creationId xmlns:a16="http://schemas.microsoft.com/office/drawing/2014/main" id="{8CD25F0D-2243-71CC-B82D-9AE5D49A2084}"/>
+              </a:ext>
+            </a:extLst>
+          </p:cNvPr>
+          <p:cNvSpPr>
+            <a:spLocks noGrp="1"/>
+          </p:cNvSpPr>
+          <p:nvPr>
+            <p:ph type="title"/>
+          </p:nvPr>
+        </p:nvSpPr>
+        <p:spPr/>
+        <p:txBody>
+          <a:bodyPr>
+            <a:normAutofit/>
+          </a:bodyPr>
+          <a:lstStyle/>
+          <a:p>
+            <a:r>
+              <a:rPr lang="en-US" dirty="0"/>
+              <a:t>Insights</a:t>
+            </a:r>
+          </a:p>
+        </p:txBody>
+      </p:sp>
+      <p:sp>
+        <p:nvSpPr>
+          <p:cNvPr id="4" name="TextBox 3">
+            <a:extLst>
+              <a:ext uri="{FF2B5EF4-FFF2-40B4-BE49-F238E27FC236}">
+                <a16:creationId xmlns:a16="http://schemas.microsoft.com/office/drawing/2014/main" id="{7D724DF9-1127-9BEB-08D0-38D8FEFB2867}"/>
+              </a:ext>
+            </a:extLst>
+          </p:cNvPr>
+          <p:cNvSpPr txBox="1"/>
+          <p:nvPr/>
+        </p:nvSpPr>
+        <p:spPr>
+          <a:xfrm>
+            <a:off x="838200" y="1690688"/>
+            <a:ext cx="4301359" cy="1477328"/>
+          </a:xfrm>
+          <a:prstGeom prst="rect">
+            <a:avLst/>
+          </a:prstGeom>
+          <a:noFill/>
+        </p:spPr>
+        <p:txBody>
+          <a:bodyPr wrap="square">
+            <a:spAutoFit/>
+          </a:bodyPr>
+          <a:lstStyle/>
+          <a:p>
+            <a:r>
+              <a:rPr lang="en-IN" b="0" i="0" u="none" strike="noStrike" dirty="0">
+                <a:solidFill>
+                  <a:srgbClr val="000000"/>
+                </a:solidFill>
+                <a:effectLst/>
+                <a:latin typeface="Calibri" panose="020F0502020204030204" pitchFamily="34" charset="0"/>
+              </a:rPr>
+              <a:t>- Most of the loans get funded in December</a:t>
+            </a:r>
+          </a:p>
+          <a:p>
+            <a:r>
+              <a:rPr lang="en-IN" b="0" i="0" u="none" strike="noStrike" dirty="0">
+                <a:solidFill>
+                  <a:srgbClr val="000000"/>
+                </a:solidFill>
+                <a:effectLst/>
+                <a:latin typeface="Calibri" panose="020F0502020204030204" pitchFamily="34" charset="0"/>
+              </a:rPr>
+              <a:t>- The company has grown steadily as the funded loans show a steady increase over the years</a:t>
+            </a:r>
+            <a:endParaRPr lang="en-US" dirty="0"/>
+          </a:p>
+          <a:p>
+            <a:endParaRPr lang="en-US" dirty="0"/>
+          </a:p>
+        </p:txBody>
+      </p:sp>
+      <p:pic>
+        <p:nvPicPr>
+          <p:cNvPr id="4098" name="Picture 2">
+            <a:extLst>
+              <a:ext uri="{FF2B5EF4-FFF2-40B4-BE49-F238E27FC236}">
+                <a16:creationId xmlns:a16="http://schemas.microsoft.com/office/drawing/2014/main" id="{EF3D0230-ED86-E0FB-2B05-D8573F02283E}"/>
+              </a:ext>
+            </a:extLst>
+          </p:cNvPr>
+          <p:cNvPicPr>
+            <a:picLocks noChangeAspect="1" noChangeArrowheads="1"/>
+          </p:cNvPicPr>
+          <p:nvPr/>
+        </p:nvPicPr>
+        <p:blipFill>
+          <a:blip r:embed="rId2">
+            <a:extLst>
+              <a:ext uri="{28A0092B-C50C-407E-A947-70E740481C1C}">
+                <a14:useLocalDpi xmlns:a14="http://schemas.microsoft.com/office/drawing/2010/main" val="0"/>
+              </a:ext>
+            </a:extLst>
+          </a:blip>
+          <a:srcRect/>
+          <a:stretch>
+            <a:fillRect/>
+          </a:stretch>
+        </p:blipFill>
+        <p:spPr bwMode="auto">
+          <a:xfrm>
+            <a:off x="5323258" y="1965434"/>
+            <a:ext cx="6030542" cy="4191110"/>
+          </a:xfrm>
+          <a:prstGeom prst="rect">
+            <a:avLst/>
+          </a:prstGeom>
+          <a:noFill/>
+          <a:extLst>
+            <a:ext uri="{909E8E84-426E-40DD-AFC4-6F175D3DCCD1}">
+              <a14:hiddenFill xmlns:a14="http://schemas.microsoft.com/office/drawing/2010/main">
+                <a:solidFill>
+                  <a:srgbClr val="FFFFFF"/>
+                </a:solidFill>
+              </a14:hiddenFill>
+            </a:ext>
+          </a:extLst>
+        </p:spPr>
+      </p:pic>
+    </p:spTree>
+    <p:extLst>
+      <p:ext uri="{BB962C8B-B14F-4D97-AF65-F5344CB8AC3E}">
+        <p14:creationId xmlns:p14="http://schemas.microsoft.com/office/powerpoint/2010/main" val="3472042700"/>
+      </p:ext>
+    </p:extLst>
+  </p:cSld>
+  <p:clrMapOvr>
+    <a:masterClrMapping/>
+  </p:clrMapOvr>
+</p:sld>
+</file>
+
+<file path=ppt/slides/slide8.xml><?xml version="1.0" encoding="utf-8"?>
+<p:sld xmlns:a="http://schemas.openxmlformats.org/drawingml/2006/main" xmlns:r="http://schemas.openxmlformats.org/officeDocument/2006/relationships" xmlns:p="http://schemas.openxmlformats.org/presentationml/2006/main">
+  <p:cSld>
+    <p:spTree>
+      <p:nvGrpSpPr>
+        <p:cNvPr id="1" name=""/>
+        <p:cNvGrpSpPr/>
+        <p:nvPr/>
+      </p:nvGrpSpPr>
+      <p:grpSpPr>
+        <a:xfrm>
+          <a:off x="0" y="0"/>
+          <a:ext cx="0" cy="0"/>
+          <a:chOff x="0" y="0"/>
+          <a:chExt cx="0" cy="0"/>
+        </a:xfrm>
+      </p:grpSpPr>
+      <p:sp>
+        <p:nvSpPr>
+          <p:cNvPr id="2" name="Title 1">
+            <a:extLst>
+              <a:ext uri="{FF2B5EF4-FFF2-40B4-BE49-F238E27FC236}">
+                <a16:creationId xmlns:a16="http://schemas.microsoft.com/office/drawing/2014/main" id="{8CD25F0D-2243-71CC-B82D-9AE5D49A2084}"/>
+              </a:ext>
+            </a:extLst>
+          </p:cNvPr>
+          <p:cNvSpPr>
+            <a:spLocks noGrp="1"/>
+          </p:cNvSpPr>
+          <p:nvPr>
+            <p:ph type="title"/>
+          </p:nvPr>
+        </p:nvSpPr>
+        <p:spPr/>
+        <p:txBody>
+          <a:bodyPr>
+            <a:normAutofit/>
+          </a:bodyPr>
+          <a:lstStyle/>
+          <a:p>
+            <a:r>
+              <a:rPr lang="en-US" dirty="0"/>
+              <a:t>Insights</a:t>
+            </a:r>
+          </a:p>
+        </p:txBody>
+      </p:sp>
+      <p:sp>
+        <p:nvSpPr>
+          <p:cNvPr id="4" name="TextBox 3">
+            <a:extLst>
+              <a:ext uri="{FF2B5EF4-FFF2-40B4-BE49-F238E27FC236}">
+                <a16:creationId xmlns:a16="http://schemas.microsoft.com/office/drawing/2014/main" id="{CBB28E72-6B17-5DB3-6A99-78A9E95FBF35}"/>
+              </a:ext>
+            </a:extLst>
+          </p:cNvPr>
+          <p:cNvSpPr txBox="1"/>
+          <p:nvPr/>
+        </p:nvSpPr>
+        <p:spPr>
+          <a:xfrm>
+            <a:off x="838200" y="1506022"/>
+            <a:ext cx="6096000" cy="369332"/>
+          </a:xfrm>
+          <a:prstGeom prst="rect">
+            <a:avLst/>
+          </a:prstGeom>
+          <a:noFill/>
+        </p:spPr>
+        <p:txBody>
+          <a:bodyPr wrap="square">
+            <a:spAutoFit/>
+          </a:bodyPr>
+          <a:lstStyle/>
+          <a:p>
+            <a:r>
+              <a:rPr lang="en-IN" b="0" i="0" u="none" strike="noStrike" dirty="0">
+                <a:solidFill>
+                  <a:srgbClr val="000000"/>
+                </a:solidFill>
+                <a:effectLst/>
+                <a:latin typeface="Calibri" panose="020F0502020204030204" pitchFamily="34" charset="0"/>
+              </a:rPr>
+              <a:t>Shorter tenure loans are more likely to get defaulted</a:t>
+            </a:r>
+            <a:endParaRPr lang="en-US" dirty="0"/>
+          </a:p>
+        </p:txBody>
+      </p:sp>
+      <p:pic>
+        <p:nvPicPr>
+          <p:cNvPr id="5122" name="Picture 2">
+            <a:extLst>
+              <a:ext uri="{FF2B5EF4-FFF2-40B4-BE49-F238E27FC236}">
+                <a16:creationId xmlns:a16="http://schemas.microsoft.com/office/drawing/2014/main" id="{376B53F2-3A70-E36C-538E-5A654F67F2FE}"/>
+              </a:ext>
+            </a:extLst>
+          </p:cNvPr>
+          <p:cNvPicPr>
+            <a:picLocks noChangeAspect="1" noChangeArrowheads="1"/>
+          </p:cNvPicPr>
+          <p:nvPr/>
+        </p:nvPicPr>
+        <p:blipFill>
+          <a:blip r:embed="rId2">
+            <a:extLst>
+              <a:ext uri="{28A0092B-C50C-407E-A947-70E740481C1C}">
+                <a14:useLocalDpi xmlns:a14="http://schemas.microsoft.com/office/drawing/2010/main" val="0"/>
+              </a:ext>
+            </a:extLst>
+          </a:blip>
+          <a:srcRect/>
+          <a:stretch>
+            <a:fillRect/>
+          </a:stretch>
+        </p:blipFill>
+        <p:spPr bwMode="auto">
+          <a:xfrm>
+            <a:off x="6190750" y="1506022"/>
+            <a:ext cx="5043276" cy="4443905"/>
+          </a:xfrm>
+          <a:prstGeom prst="rect">
+            <a:avLst/>
+          </a:prstGeom>
+          <a:noFill/>
+          <a:extLst>
+            <a:ext uri="{909E8E84-426E-40DD-AFC4-6F175D3DCCD1}">
+              <a14:hiddenFill xmlns:a14="http://schemas.microsoft.com/office/drawing/2010/main">
+                <a:solidFill>
+                  <a:srgbClr val="FFFFFF"/>
+                </a:solidFill>
+              </a14:hiddenFill>
+            </a:ext>
+          </a:extLst>
+        </p:spPr>
+      </p:pic>
+    </p:spTree>
+    <p:extLst>
+      <p:ext uri="{BB962C8B-B14F-4D97-AF65-F5344CB8AC3E}">
+        <p14:creationId xmlns:p14="http://schemas.microsoft.com/office/powerpoint/2010/main" val="4137038126"/>
+      </p:ext>
+    </p:extLst>
+  </p:cSld>
+  <p:clrMapOvr>
+    <a:masterClrMapping/>
+  </p:clrMapOvr>
+</p:sld>
+</file>
+
+<file path=ppt/slides/slide9.xml><?xml version="1.0" encoding="utf-8"?>
+<p:sld xmlns:a="http://schemas.openxmlformats.org/drawingml/2006/main" xmlns:r="http://schemas.openxmlformats.org/officeDocument/2006/relationships" xmlns:p="http://schemas.openxmlformats.org/presentationml/2006/main">
+  <p:cSld>
+    <p:spTree>
+      <p:nvGrpSpPr>
+        <p:cNvPr id="1" name=""/>
+        <p:cNvGrpSpPr/>
+        <p:nvPr/>
+      </p:nvGrpSpPr>
+      <p:grpSpPr>
+        <a:xfrm>
+          <a:off x="0" y="0"/>
+          <a:ext cx="0" cy="0"/>
+          <a:chOff x="0" y="0"/>
+          <a:chExt cx="0" cy="0"/>
+        </a:xfrm>
+      </p:grpSpPr>
+      <p:sp>
+        <p:nvSpPr>
+          <p:cNvPr id="2" name="Title 1">
+            <a:extLst>
+              <a:ext uri="{FF2B5EF4-FFF2-40B4-BE49-F238E27FC236}">
+                <a16:creationId xmlns:a16="http://schemas.microsoft.com/office/drawing/2014/main" id="{8CD25F0D-2243-71CC-B82D-9AE5D49A2084}"/>
+              </a:ext>
+            </a:extLst>
+          </p:cNvPr>
+          <p:cNvSpPr>
+            <a:spLocks noGrp="1"/>
+          </p:cNvSpPr>
+          <p:nvPr>
+            <p:ph type="title"/>
+          </p:nvPr>
+        </p:nvSpPr>
+        <p:spPr/>
+        <p:txBody>
+          <a:bodyPr>
+            <a:normAutofit/>
+          </a:bodyPr>
+          <a:lstStyle/>
+          <a:p>
+            <a:r>
+              <a:rPr lang="en-US" dirty="0"/>
+              <a:t>Insights</a:t>
+            </a:r>
+          </a:p>
+        </p:txBody>
+      </p:sp>
+      <p:sp>
+        <p:nvSpPr>
+          <p:cNvPr id="4" name="TextBox 3">
+            <a:extLst>
+              <a:ext uri="{FF2B5EF4-FFF2-40B4-BE49-F238E27FC236}">
+                <a16:creationId xmlns:a16="http://schemas.microsoft.com/office/drawing/2014/main" id="{E3FEC3E5-6E58-8AF3-E1CB-702D43E25734}"/>
+              </a:ext>
+            </a:extLst>
+          </p:cNvPr>
+          <p:cNvSpPr txBox="1"/>
+          <p:nvPr/>
+        </p:nvSpPr>
+        <p:spPr>
+          <a:xfrm>
+            <a:off x="838200" y="1584462"/>
+            <a:ext cx="6096000" cy="646331"/>
+          </a:xfrm>
+          <a:prstGeom prst="rect">
+            <a:avLst/>
+          </a:prstGeom>
+          <a:noFill/>
+        </p:spPr>
+        <p:txBody>
+          <a:bodyPr wrap="square">
+            <a:spAutoFit/>
+          </a:bodyPr>
+          <a:lstStyle/>
+          <a:p>
+            <a:r>
+              <a:rPr lang="en-IN" b="0" i="0" u="none" strike="noStrike" dirty="0">
+                <a:solidFill>
+                  <a:srgbClr val="000000"/>
+                </a:solidFill>
+                <a:effectLst/>
+                <a:latin typeface="Calibri" panose="020F0502020204030204" pitchFamily="34" charset="0"/>
+              </a:rPr>
+              <a:t>There was no visible correlation between verification status and the loan default</a:t>
+            </a:r>
+          </a:p>
+        </p:txBody>
+      </p:sp>
+      <p:pic>
+        <p:nvPicPr>
+          <p:cNvPr id="6146" name="Picture 2">
+            <a:extLst>
+              <a:ext uri="{FF2B5EF4-FFF2-40B4-BE49-F238E27FC236}">
+                <a16:creationId xmlns:a16="http://schemas.microsoft.com/office/drawing/2014/main" id="{1C275306-C1C5-854B-0042-5D3CEACE267B}"/>
+              </a:ext>
+            </a:extLst>
+          </p:cNvPr>
+          <p:cNvPicPr>
+            <a:picLocks noChangeAspect="1" noChangeArrowheads="1"/>
+          </p:cNvPicPr>
+          <p:nvPr/>
+        </p:nvPicPr>
+        <p:blipFill>
+          <a:blip r:embed="rId2">
+            <a:extLst>
+              <a:ext uri="{28A0092B-C50C-407E-A947-70E740481C1C}">
+                <a14:useLocalDpi xmlns:a14="http://schemas.microsoft.com/office/drawing/2010/main" val="0"/>
+              </a:ext>
+            </a:extLst>
+          </a:blip>
+          <a:srcRect/>
+          <a:stretch>
+            <a:fillRect/>
+          </a:stretch>
+        </p:blipFill>
+        <p:spPr bwMode="auto">
+          <a:xfrm>
+            <a:off x="1807777" y="2382748"/>
+            <a:ext cx="8261131" cy="4110127"/>
+          </a:xfrm>
+          <a:prstGeom prst="rect">
+            <a:avLst/>
+          </a:prstGeom>
+          <a:noFill/>
+          <a:extLst>
+            <a:ext uri="{909E8E84-426E-40DD-AFC4-6F175D3DCCD1}">
+              <a14:hiddenFill xmlns:a14="http://schemas.microsoft.com/office/drawing/2010/main">
+                <a:solidFill>
+                  <a:srgbClr val="FFFFFF"/>
+                </a:solidFill>
+              </a14:hiddenFill>
+            </a:ext>
+          </a:extLst>
+        </p:spPr>
+      </p:pic>
+    </p:spTree>
+    <p:extLst>
+      <p:ext uri="{BB962C8B-B14F-4D97-AF65-F5344CB8AC3E}">
+        <p14:creationId xmlns:p14="http://schemas.microsoft.com/office/powerpoint/2010/main" val="2433553538"/>
       </p:ext>
     </p:extLst>
   </p:cSld>
@@ -7334,21 +9332,21 @@
 </file>
 
 <file path=customXml/item1.xml><?xml version="1.0" encoding="utf-8"?>
+<TemplafySlideTemplateConfiguration><![CDATA[{"slideVersion":1,"isValidatorEnabled":false,"isLocked":false,"elementsMetadata":[],"slideId":"637593499761070260","enableDocumentContentUpdater":false,"version":"2.0"}]]></TemplafySlideTemplateConfiguration>
+</file>
+
+<file path=customXml/item2.xml><?xml version="1.0" encoding="utf-8"?>
 <TemplafySlideFormConfiguration><![CDATA[{"formFields":[],"formDataEntries":[]}]]></TemplafySlideFormConfiguration>
 </file>
 
-<file path=customXml/item2.xml><?xml version="1.0" encoding="utf-8"?>
-<TemplafySlideTemplateConfiguration><![CDATA[{"slideVersion":1,"isValidatorEnabled":false,"isLocked":false,"elementsMetadata":[],"slideId":"637593499761070260","enableDocumentContentUpdater":false,"version":"2.0"}]]></TemplafySlideTemplateConfiguration>
-</file>
-
 <file path=customXml/itemProps1.xml><?xml version="1.0" encoding="utf-8"?>
-<ds:datastoreItem xmlns:ds="http://schemas.openxmlformats.org/officeDocument/2006/customXml" ds:itemID="{88FA7737-9C59-45BC-9DFF-35B19111F0CC}">
+<ds:datastoreItem xmlns:ds="http://schemas.openxmlformats.org/officeDocument/2006/customXml" ds:itemID="{B169435D-3392-4916-B155-075DDAFD7F3E}">
   <ds:schemaRefs/>
 </ds:datastoreItem>
 </file>
 
 <file path=customXml/itemProps2.xml><?xml version="1.0" encoding="utf-8"?>
-<ds:datastoreItem xmlns:ds="http://schemas.openxmlformats.org/officeDocument/2006/customXml" ds:itemID="{B169435D-3392-4916-B155-075DDAFD7F3E}">
+<ds:datastoreItem xmlns:ds="http://schemas.openxmlformats.org/officeDocument/2006/customXml" ds:itemID="{88FA7737-9C59-45BC-9DFF-35B19111F0CC}">
   <ds:schemaRefs/>
 </ds:datastoreItem>
 </file>